--- a/NGEN.pptx
+++ b/NGEN.pptx
@@ -10,20 +10,20 @@
   <p:sldIdLst>
     <p:sldId id="256" r:id="rId2"/>
     <p:sldId id="257" r:id="rId3"/>
-    <p:sldId id="287" r:id="rId4"/>
-    <p:sldId id="278" r:id="rId5"/>
-    <p:sldId id="263" r:id="rId6"/>
-    <p:sldId id="283" r:id="rId7"/>
-    <p:sldId id="262" r:id="rId8"/>
-    <p:sldId id="267" r:id="rId9"/>
-    <p:sldId id="265" r:id="rId10"/>
-    <p:sldId id="280" r:id="rId11"/>
-    <p:sldId id="269" r:id="rId12"/>
-    <p:sldId id="270" r:id="rId13"/>
-    <p:sldId id="281" r:id="rId14"/>
-    <p:sldId id="284" r:id="rId15"/>
-    <p:sldId id="285" r:id="rId16"/>
-    <p:sldId id="282" r:id="rId17"/>
+    <p:sldId id="278" r:id="rId4"/>
+    <p:sldId id="263" r:id="rId5"/>
+    <p:sldId id="283" r:id="rId6"/>
+    <p:sldId id="262" r:id="rId7"/>
+    <p:sldId id="267" r:id="rId8"/>
+    <p:sldId id="265" r:id="rId9"/>
+    <p:sldId id="280" r:id="rId10"/>
+    <p:sldId id="269" r:id="rId11"/>
+    <p:sldId id="270" r:id="rId12"/>
+    <p:sldId id="281" r:id="rId13"/>
+    <p:sldId id="284" r:id="rId14"/>
+    <p:sldId id="285" r:id="rId15"/>
+    <p:sldId id="282" r:id="rId16"/>
+    <p:sldId id="287" r:id="rId17"/>
     <p:sldId id="279" r:id="rId18"/>
     <p:sldId id="271" r:id="rId19"/>
     <p:sldId id="288" r:id="rId20"/>
@@ -234,7 +234,7 @@
             <a:fld id="{F56AEA39-9498-4FCA-B33C-4312124B84ED}" type="datetimeFigureOut">
               <a:rPr lang="fr-FR" smtClean="0"/>
               <a:pPr/>
-              <a:t>05/06/2022</a:t>
+              <a:t>12/06/2022</a:t>
             </a:fld>
             <a:endParaRPr lang="fr-FR"/>
           </a:p>
@@ -776,7 +776,7 @@
             <a:fld id="{6B6607F0-2372-40D2-9255-61C780155E2B}" type="datetime1">
               <a:rPr lang="en-US" smtClean="0"/>
               <a:pPr/>
-              <a:t>6/5/2022</a:t>
+              <a:t>6/12/2022</a:t>
             </a:fld>
             <a:endParaRPr lang="en-US" dirty="0"/>
           </a:p>
@@ -1111,7 +1111,7 @@
             <a:fld id="{62AE4DF1-A014-41C7-83FD-CEC8AD6D19E7}" type="datetime1">
               <a:rPr lang="en-US" smtClean="0"/>
               <a:pPr/>
-              <a:t>6/5/2022</a:t>
+              <a:t>6/12/2022</a:t>
             </a:fld>
             <a:endParaRPr lang="en-US" dirty="0"/>
           </a:p>
@@ -1509,7 +1509,7 @@
             <a:fld id="{DD5C5C09-23AE-42F4-9FF8-E9887FF5AB21}" type="datetime1">
               <a:rPr lang="en-US" smtClean="0"/>
               <a:pPr/>
-              <a:t>6/5/2022</a:t>
+              <a:t>6/12/2022</a:t>
             </a:fld>
             <a:endParaRPr lang="en-US" dirty="0"/>
           </a:p>
@@ -1842,7 +1842,7 @@
             <a:fld id="{FBA9A64C-4363-4D29-AF62-0AF078BF4DEB}" type="datetime1">
               <a:rPr lang="en-US" smtClean="0"/>
               <a:pPr/>
-              <a:t>6/5/2022</a:t>
+              <a:t>6/12/2022</a:t>
             </a:fld>
             <a:endParaRPr lang="en-US" dirty="0"/>
           </a:p>
@@ -2159,7 +2159,7 @@
             <a:fld id="{823AA076-EE84-4336-A3F4-132885F9F98A}" type="datetime1">
               <a:rPr lang="en-US" smtClean="0"/>
               <a:pPr/>
-              <a:t>6/5/2022</a:t>
+              <a:t>6/12/2022</a:t>
             </a:fld>
             <a:endParaRPr lang="en-US" dirty="0"/>
           </a:p>
@@ -2552,7 +2552,7 @@
             <a:fld id="{08CDE7AC-32EF-4147-B739-D24792018E30}" type="datetime1">
               <a:rPr lang="en-US" smtClean="0"/>
               <a:pPr/>
-              <a:t>6/5/2022</a:t>
+              <a:t>6/12/2022</a:t>
             </a:fld>
             <a:endParaRPr lang="en-US" dirty="0"/>
           </a:p>
@@ -2806,7 +2806,7 @@
             <a:fld id="{4FB0C1C4-C408-4323-9B58-95D9CB252497}" type="datetime1">
               <a:rPr lang="en-US" smtClean="0"/>
               <a:pPr/>
-              <a:t>6/5/2022</a:t>
+              <a:t>6/12/2022</a:t>
             </a:fld>
             <a:endParaRPr lang="en-US" dirty="0"/>
           </a:p>
@@ -3065,7 +3065,7 @@
             <a:fld id="{33A753D1-A681-455F-A087-29BE400C8828}" type="datetime1">
               <a:rPr lang="en-US" smtClean="0"/>
               <a:pPr/>
-              <a:t>6/5/2022</a:t>
+              <a:t>6/12/2022</a:t>
             </a:fld>
             <a:endParaRPr lang="en-US" dirty="0"/>
           </a:p>
@@ -3324,7 +3324,7 @@
             <a:fld id="{667A7B24-BF5D-4B93-B822-3F8E933A9370}" type="datetime1">
               <a:rPr lang="en-US" smtClean="0"/>
               <a:pPr/>
-              <a:t>6/5/2022</a:t>
+              <a:t>6/12/2022</a:t>
             </a:fld>
             <a:endParaRPr lang="en-US" dirty="0"/>
           </a:p>
@@ -3650,7 +3650,7 @@
             <a:fld id="{1FACF992-E665-4C99-81E7-25F1C78B7D4C}" type="datetime1">
               <a:rPr lang="en-US" smtClean="0"/>
               <a:pPr/>
-              <a:t>6/5/2022</a:t>
+              <a:t>6/12/2022</a:t>
             </a:fld>
             <a:endParaRPr lang="en-US" dirty="0"/>
           </a:p>
@@ -3970,7 +3970,7 @@
             <a:fld id="{61411115-743C-4335-AEB6-57B14653E396}" type="datetime1">
               <a:rPr lang="en-US" smtClean="0"/>
               <a:pPr/>
-              <a:t>6/5/2022</a:t>
+              <a:t>6/12/2022</a:t>
             </a:fld>
             <a:endParaRPr lang="en-US" dirty="0"/>
           </a:p>
@@ -4424,7 +4424,7 @@
             <a:fld id="{1019BFC1-A3BC-41B2-8676-187CA29F2787}" type="datetime1">
               <a:rPr lang="en-US" smtClean="0"/>
               <a:pPr/>
-              <a:t>6/5/2022</a:t>
+              <a:t>6/12/2022</a:t>
             </a:fld>
             <a:endParaRPr lang="en-US" dirty="0"/>
           </a:p>
@@ -4626,7 +4626,7 @@
             <a:fld id="{2D4FD715-157B-4FB4-BC8A-8D496A32A594}" type="datetime1">
               <a:rPr lang="en-US" smtClean="0"/>
               <a:pPr/>
-              <a:t>6/5/2022</a:t>
+              <a:t>6/12/2022</a:t>
             </a:fld>
             <a:endParaRPr lang="en-US" dirty="0"/>
           </a:p>
@@ -4800,7 +4800,7 @@
             <a:fld id="{1B17ACFB-D0C9-462B-A9FD-3385E1BEB218}" type="datetime1">
               <a:rPr lang="en-US" smtClean="0"/>
               <a:pPr/>
-              <a:t>6/5/2022</a:t>
+              <a:t>6/12/2022</a:t>
             </a:fld>
             <a:endParaRPr lang="en-US" dirty="0"/>
           </a:p>
@@ -5130,7 +5130,7 @@
             <a:fld id="{1F2D63D7-F1B3-4C1F-AD43-1933E6DB83D4}" type="datetime1">
               <a:rPr lang="en-US" smtClean="0"/>
               <a:pPr/>
-              <a:t>6/5/2022</a:t>
+              <a:t>6/12/2022</a:t>
             </a:fld>
             <a:endParaRPr lang="en-US" dirty="0"/>
           </a:p>
@@ -5472,7 +5472,7 @@
             <a:fld id="{1C787478-02B5-46C1-B3E1-A172458226B2}" type="datetime1">
               <a:rPr lang="en-US" smtClean="0"/>
               <a:pPr/>
-              <a:t>6/5/2022</a:t>
+              <a:t>6/12/2022</a:t>
             </a:fld>
             <a:endParaRPr lang="en-US" dirty="0"/>
           </a:p>
@@ -7586,7 +7586,7 @@
             <a:fld id="{566BAA2A-DD73-4939-9BB2-411A9375FFB5}" type="datetime1">
               <a:rPr lang="en-US" smtClean="0"/>
               <a:pPr/>
-              <a:t>6/5/2022</a:t>
+              <a:t>6/12/2022</a:t>
             </a:fld>
             <a:endParaRPr lang="en-US" dirty="0"/>
           </a:p>
@@ -8236,19 +8236,19 @@
         </p:nvSpPr>
         <p:spPr>
           <a:xfrm>
-            <a:off x="1992032" y="637173"/>
-            <a:ext cx="10199967" cy="668096"/>
+            <a:off x="2592924" y="624110"/>
+            <a:ext cx="9223095" cy="668096"/>
           </a:xfrm>
         </p:spPr>
         <p:txBody>
           <a:bodyPr>
-            <a:normAutofit fontScale="90000"/>
+            <a:normAutofit/>
           </a:bodyPr>
           <a:lstStyle/>
           <a:p>
             <a:r>
               <a:rPr lang="fr-FR" dirty="0"/>
-              <a:t>2.6 – Synthèse – structuration des connaissances</a:t>
+              <a:t>1.7 - Evaluations</a:t>
             </a:r>
           </a:p>
         </p:txBody>
@@ -8285,8 +8285,8 @@
         </p:nvSpPr>
         <p:spPr>
           <a:xfrm>
-            <a:off x="3019630" y="2045315"/>
-            <a:ext cx="8172187" cy="2308324"/>
+            <a:off x="2127171" y="1225689"/>
+            <a:ext cx="8239489" cy="5632311"/>
           </a:xfrm>
           <a:prstGeom prst="rect">
             <a:avLst/>
@@ -8299,56 +8299,144 @@
           </a:bodyPr>
           <a:lstStyle/>
           <a:p>
-            <a:r>
-              <a:rPr lang="fr-FR" dirty="0"/>
-              <a:t>Fiche de synthèse : rappeler les points abordés</a:t>
-            </a:r>
-          </a:p>
-          <a:p>
-            <a:r>
-              <a:rPr lang="fr-FR" dirty="0"/>
-              <a:t>Intervention élèves pour un CR oral </a:t>
-            </a:r>
-          </a:p>
-          <a:p>
-            <a:r>
-              <a:rPr lang="fr-FR" dirty="0"/>
-              <a:t>Synthèse par l’enseignant  / distribution de la fiche</a:t>
-            </a:r>
-          </a:p>
-          <a:p>
+            <a:pPr marL="342900" indent="-342900">
+              <a:buAutoNum type="alphaLcParenR"/>
+            </a:pPr>
+            <a:r>
+              <a:rPr lang="fr-FR" b="1" dirty="0"/>
+              <a:t>Diagnostique</a:t>
+            </a:r>
+            <a:r>
+              <a:rPr lang="fr-FR" dirty="0"/>
+              <a:t> : évaluer le </a:t>
+            </a:r>
+            <a:r>
+              <a:rPr lang="fr-FR" dirty="0" err="1"/>
+              <a:t>niuveau</a:t>
+            </a:r>
+            <a:r>
+              <a:rPr lang="fr-FR" dirty="0"/>
+              <a:t> d’entrée (surtout si public provenant de cursus différents)</a:t>
+            </a:r>
+          </a:p>
+          <a:p>
+            <a:pPr marL="342900" indent="-342900">
+              <a:buAutoNum type="alphaLcParenR"/>
+            </a:pPr>
+            <a:r>
+              <a:rPr lang="fr-FR" b="1" dirty="0"/>
+              <a:t>Formative</a:t>
+            </a:r>
+            <a:r>
+              <a:rPr lang="fr-FR" dirty="0"/>
+              <a:t> : pendant l’activité pour s’assurer de la bonne compréhension de ce qui a été vu avant de progresser dans l’activité ou dans la séquence. </a:t>
+            </a:r>
+          </a:p>
+          <a:p>
+            <a:pPr marL="342900" indent="-342900"/>
+            <a:r>
+              <a:rPr lang="fr-FR" dirty="0"/>
+              <a:t>      Peut être fait sous forme de CR oral de ce qu’il faut comprendre de l’activité. Préparer 2 transparent</a:t>
+            </a:r>
+          </a:p>
+          <a:p>
+            <a:pPr marL="342900" indent="-342900"/>
+            <a:r>
+              <a:rPr lang="fr-FR" dirty="0"/>
+              <a:t>			* les manipulations que j’ai faites </a:t>
+            </a:r>
+            <a:r>
+              <a:rPr lang="fr-FR" dirty="0">
+                <a:sym typeface="Wingdings" pitchFamily="2" charset="2"/>
+              </a:rPr>
+              <a:t> les résultats obtenus</a:t>
+            </a:r>
+          </a:p>
+          <a:p>
+            <a:pPr marL="342900" indent="-342900"/>
+            <a:r>
+              <a:rPr lang="fr-FR" dirty="0">
+                <a:sym typeface="Wingdings" pitchFamily="2" charset="2"/>
+              </a:rPr>
+              <a:t>               * ce qu’il faut retenir de l’activité ( se mettre à la place d’un camarade qui serait absent aujourd’hui et qui doit reprendre le cours de la séquence. </a:t>
+            </a:r>
+          </a:p>
+          <a:p>
+            <a:pPr marL="342900" indent="-342900">
+              <a:buAutoNum type="alphaLcParenR" startAt="3"/>
+            </a:pPr>
+            <a:r>
+              <a:rPr lang="fr-FR" b="1" dirty="0"/>
+              <a:t>Sommative</a:t>
+            </a:r>
+            <a:r>
+              <a:rPr lang="fr-FR" dirty="0"/>
+              <a:t> : Identifier pour chaque connaissance / compétence le critère et indicateur de réussite.</a:t>
+            </a:r>
+          </a:p>
+          <a:p>
+            <a:pPr marL="342900" indent="-342900">
+              <a:buAutoNum type="alphaLcParenR" startAt="3"/>
+            </a:pPr>
             <a:endParaRPr lang="fr-FR" dirty="0"/>
           </a:p>
           <a:p>
-            <a:r>
-              <a:rPr lang="fr-FR" dirty="0"/>
-              <a:t>Ce qu’il faut savoir</a:t>
-            </a:r>
-          </a:p>
-          <a:p>
-            <a:r>
-              <a:rPr lang="fr-FR" dirty="0"/>
-              <a:t>Ce qu’il faut savoir faire</a:t>
-            </a:r>
-          </a:p>
-          <a:p>
-            <a:r>
-              <a:rPr lang="fr-FR" dirty="0"/>
-              <a:t>Exemple méthodologique</a:t>
-            </a:r>
-          </a:p>
-          <a:p>
-            <a:r>
-              <a:rPr lang="fr-FR" dirty="0"/>
-              <a:t>Un contexte d’application , décontextualisé de la séquence</a:t>
-            </a:r>
+            <a:pPr marL="342900" indent="-342900">
+              <a:buAutoNum type="alphaLcParenR" startAt="3"/>
+            </a:pPr>
+            <a:r>
+              <a:rPr lang="fr-FR" b="1" dirty="0" err="1"/>
+              <a:t>Certifiante</a:t>
+            </a:r>
+            <a:r>
+              <a:rPr lang="fr-FR" dirty="0"/>
+              <a:t> (CCF) </a:t>
+            </a:r>
+          </a:p>
+          <a:p>
+            <a:pPr marL="342900" indent="-342900">
+              <a:buAutoNum type="alphaLcParenR" startAt="3"/>
+            </a:pPr>
+            <a:endParaRPr lang="fr-FR" dirty="0"/>
+          </a:p>
+          <a:p>
+            <a:r>
+              <a:rPr lang="fr-FR" dirty="0"/>
+              <a:t>Diagnostiquer les difficultés de </a:t>
+            </a:r>
+            <a:r>
+              <a:rPr lang="fr-FR" dirty="0" err="1"/>
+              <a:t>devlopt</a:t>
+            </a:r>
+            <a:r>
+              <a:rPr lang="fr-FR" dirty="0"/>
+              <a:t> savoirs et savoir-faire d’un élève</a:t>
+            </a:r>
+          </a:p>
+          <a:p>
+            <a:r>
+              <a:rPr lang="fr-FR" dirty="0"/>
+              <a:t>Concevoir + mise en œuvre remédiation</a:t>
+            </a:r>
+          </a:p>
+          <a:p>
+            <a:r>
+              <a:rPr lang="fr-FR" dirty="0"/>
+              <a:t>Concevoir un scénario d’évaluation formative / sommative</a:t>
+            </a:r>
+          </a:p>
+          <a:p>
+            <a:pPr marL="342900" indent="-342900">
+              <a:buAutoNum type="alphaLcParenR" startAt="3"/>
+            </a:pPr>
+            <a:endParaRPr lang="fr-FR" dirty="0"/>
           </a:p>
         </p:txBody>
       </p:sp>
     </p:spTree>
     <p:extLst>
       <p:ext uri="{BB962C8B-B14F-4D97-AF65-F5344CB8AC3E}">
-        <p14:creationId xmlns:p14="http://schemas.microsoft.com/office/powerpoint/2010/main" val="3628095907"/>
+        <p14:creationId xmlns:p14="http://schemas.microsoft.com/office/powerpoint/2010/main" val="1545905320"/>
       </p:ext>
     </p:extLst>
   </p:cSld>
@@ -8399,7 +8487,7 @@
           <a:p>
             <a:r>
               <a:rPr lang="fr-FR" dirty="0"/>
-              <a:t>2.7 - Evaluations</a:t>
+              <a:t>1.8 - Remédiation</a:t>
             </a:r>
           </a:p>
         </p:txBody>
@@ -8436,8 +8524,8 @@
         </p:nvSpPr>
         <p:spPr>
           <a:xfrm>
-            <a:off x="2127171" y="1225689"/>
-            <a:ext cx="8239489" cy="5632311"/>
+            <a:off x="3088153" y="1960211"/>
+            <a:ext cx="8730275" cy="2308324"/>
           </a:xfrm>
           <a:prstGeom prst="rect">
             <a:avLst/>
@@ -8445,141 +8533,90 @@
           <a:noFill/>
         </p:spPr>
         <p:txBody>
-          <a:bodyPr wrap="square" rtlCol="0">
+          <a:bodyPr wrap="none" rtlCol="0">
             <a:spAutoFit/>
           </a:bodyPr>
           <a:lstStyle/>
           <a:p>
-            <a:pPr marL="342900" indent="-342900">
-              <a:buAutoNum type="alphaLcParenR"/>
+            <a:r>
+              <a:rPr lang="fr-FR" dirty="0"/>
+              <a:t>Plus faibles : Activités complémentaire avec aide enseignant</a:t>
+            </a:r>
+          </a:p>
+          <a:p>
+            <a:r>
+              <a:rPr lang="fr-FR" dirty="0"/>
+              <a:t>Plus forts : Travail en autonomie (carte heuristique, préparer un quizz </a:t>
+            </a:r>
+            <a:r>
+              <a:rPr lang="fr-FR" dirty="0" err="1"/>
+              <a:t>plickers</a:t>
+            </a:r>
+            <a:r>
+              <a:rPr lang="fr-FR" dirty="0"/>
+              <a:t>)</a:t>
+            </a:r>
+          </a:p>
+          <a:p>
+            <a:endParaRPr lang="fr-FR" dirty="0"/>
+          </a:p>
+          <a:p>
+            <a:r>
+              <a:rPr lang="fr-FR" u="sng" dirty="0"/>
+              <a:t>Exemple de </a:t>
+            </a:r>
+            <a:r>
+              <a:rPr lang="fr-FR" u="sng" dirty="0" err="1"/>
+              <a:t>remédiation</a:t>
+            </a:r>
+            <a:r>
+              <a:rPr lang="fr-FR" u="sng" dirty="0"/>
+              <a:t> possible</a:t>
+            </a:r>
+          </a:p>
+          <a:p>
+            <a:pPr lvl="1">
+              <a:buFont typeface="Arial" pitchFamily="34" charset="0"/>
+              <a:buChar char="•"/>
             </a:pPr>
             <a:r>
-              <a:rPr lang="fr-FR" b="1" dirty="0"/>
-              <a:t>Diagnostique</a:t>
-            </a:r>
-            <a:r>
-              <a:rPr lang="fr-FR" dirty="0"/>
-              <a:t> : évaluer le </a:t>
+              <a:rPr lang="fr-FR" dirty="0"/>
+              <a:t>Rappels des points importants de la séquence</a:t>
+            </a:r>
+          </a:p>
+          <a:p>
+            <a:pPr lvl="1">
+              <a:buFont typeface="Arial" pitchFamily="34" charset="0"/>
+              <a:buChar char="•"/>
+            </a:pPr>
+            <a:r>
+              <a:rPr lang="fr-FR" dirty="0"/>
+              <a:t>Etablissement d’une fiche de synthèse par élèves. </a:t>
+            </a:r>
+          </a:p>
+          <a:p>
+            <a:pPr lvl="1">
+              <a:buFont typeface="Arial" pitchFamily="34" charset="0"/>
+              <a:buChar char="•"/>
+            </a:pPr>
+            <a:r>
+              <a:rPr lang="fr-FR" dirty="0"/>
+              <a:t>Brassage des fiches et distribution à l’ensemble de la classe</a:t>
+            </a:r>
+          </a:p>
+          <a:p>
+            <a:pPr lvl="1">
+              <a:buFont typeface="Arial" pitchFamily="34" charset="0"/>
+              <a:buChar char="•"/>
+            </a:pPr>
+            <a:r>
+              <a:rPr lang="fr-FR" dirty="0"/>
+              <a:t>QCM </a:t>
             </a:r>
             <a:r>
               <a:rPr lang="fr-FR" dirty="0" err="1"/>
-              <a:t>niuveau</a:t>
-            </a:r>
-            <a:r>
-              <a:rPr lang="fr-FR" dirty="0"/>
-              <a:t> d’entrée (surtout si public provenant de cursus différents)</a:t>
-            </a:r>
-          </a:p>
-          <a:p>
-            <a:pPr marL="342900" indent="-342900">
-              <a:buAutoNum type="alphaLcParenR"/>
-            </a:pPr>
-            <a:r>
-              <a:rPr lang="fr-FR" b="1" dirty="0"/>
-              <a:t>Formative</a:t>
-            </a:r>
-            <a:r>
-              <a:rPr lang="fr-FR" dirty="0"/>
-              <a:t> : pendant l’activité pour s’assurer de la bonne compréhension de ce qui a été vu avant de progresser dans l’activité ou dans la séquence. </a:t>
-            </a:r>
-          </a:p>
-          <a:p>
-            <a:pPr marL="342900" indent="-342900"/>
-            <a:r>
-              <a:rPr lang="fr-FR" dirty="0"/>
-              <a:t>      Peut être fait sous forme de CR oral de ce qu’il faut comprendre de l’activité. Préparer 2 transparent</a:t>
-            </a:r>
-          </a:p>
-          <a:p>
-            <a:pPr marL="342900" indent="-342900"/>
-            <a:r>
-              <a:rPr lang="fr-FR" dirty="0"/>
-              <a:t>			* les manipulations que j’ai faites </a:t>
-            </a:r>
-            <a:r>
-              <a:rPr lang="fr-FR" dirty="0">
-                <a:sym typeface="Wingdings" pitchFamily="2" charset="2"/>
-              </a:rPr>
-              <a:t> les résultats obtenus</a:t>
-            </a:r>
-          </a:p>
-          <a:p>
-            <a:pPr marL="342900" indent="-342900"/>
-            <a:r>
-              <a:rPr lang="fr-FR" dirty="0">
-                <a:sym typeface="Wingdings" pitchFamily="2" charset="2"/>
-              </a:rPr>
-              <a:t>               * ce qu’il faut retenir de l’activité ( se mettre à la place d’un camarade qui serait absent aujourd’hui et qui doit reprendre le cours de la séquence. </a:t>
-            </a:r>
-          </a:p>
-          <a:p>
-            <a:pPr marL="342900" indent="-342900">
-              <a:buAutoNum type="alphaLcParenR" startAt="3"/>
-            </a:pPr>
-            <a:r>
-              <a:rPr lang="fr-FR" b="1" dirty="0"/>
-              <a:t>Sommative</a:t>
-            </a:r>
-            <a:r>
-              <a:rPr lang="fr-FR" dirty="0"/>
-              <a:t> : Identifier pour chaque connaissance / compétence le critère et indicateur de réussite.</a:t>
-            </a:r>
-          </a:p>
-          <a:p>
-            <a:pPr marL="342900" indent="-342900">
-              <a:buAutoNum type="alphaLcParenR" startAt="3"/>
-            </a:pPr>
-            <a:endParaRPr lang="fr-FR" dirty="0"/>
-          </a:p>
-          <a:p>
-            <a:pPr marL="342900" indent="-342900">
-              <a:buAutoNum type="alphaLcParenR" startAt="3"/>
-            </a:pPr>
-            <a:r>
-              <a:rPr lang="fr-FR" b="1" dirty="0" err="1"/>
-              <a:t>Certifiante</a:t>
-            </a:r>
-            <a:r>
-              <a:rPr lang="fr-FR" dirty="0"/>
-              <a:t> (CCF) </a:t>
-            </a:r>
-          </a:p>
-          <a:p>
-            <a:pPr marL="342900" indent="-342900">
-              <a:buAutoNum type="alphaLcParenR" startAt="3"/>
-            </a:pPr>
-            <a:endParaRPr lang="fr-FR" dirty="0"/>
-          </a:p>
-          <a:p>
-            <a:r>
-              <a:rPr lang="fr-FR" dirty="0"/>
-              <a:t>Diagnostiquer les difficultés de </a:t>
-            </a:r>
-            <a:r>
-              <a:rPr lang="fr-FR" dirty="0" err="1"/>
-              <a:t>devlopt</a:t>
-            </a:r>
-            <a:r>
-              <a:rPr lang="fr-FR" dirty="0"/>
-              <a:t> savoirs et savoir-faire d’un élève</a:t>
-            </a:r>
-          </a:p>
-          <a:p>
-            <a:r>
-              <a:rPr lang="fr-FR" dirty="0"/>
-              <a:t>Concevoir + mise en œuvre remédiation</a:t>
-            </a:r>
-          </a:p>
-          <a:p>
-            <a:r>
-              <a:rPr lang="fr-FR" dirty="0"/>
-              <a:t>Concevoir un scénario d’évaluation formative / sommative</a:t>
-            </a:r>
-          </a:p>
-          <a:p>
-            <a:pPr marL="342900" indent="-342900">
-              <a:buAutoNum type="alphaLcParenR" startAt="3"/>
-            </a:pPr>
+              <a:t>Plickers</a:t>
+            </a:r>
             <a:endParaRPr lang="fr-FR" dirty="0"/>
           </a:p>
         </p:txBody>
@@ -8587,7 +8624,7 @@
     </p:spTree>
     <p:extLst>
       <p:ext uri="{BB962C8B-B14F-4D97-AF65-F5344CB8AC3E}">
-        <p14:creationId xmlns:p14="http://schemas.microsoft.com/office/powerpoint/2010/main" val="1545905320"/>
+        <p14:creationId xmlns:p14="http://schemas.microsoft.com/office/powerpoint/2010/main" val="873783962"/>
       </p:ext>
     </p:extLst>
   </p:cSld>
@@ -8627,18 +8664,16 @@
         <p:spPr>
           <a:xfrm>
             <a:off x="2592924" y="624110"/>
-            <a:ext cx="9223095" cy="668096"/>
-          </a:xfrm>
-        </p:spPr>
-        <p:txBody>
-          <a:bodyPr>
-            <a:normAutofit/>
-          </a:bodyPr>
-          <a:lstStyle/>
-          <a:p>
-            <a:r>
-              <a:rPr lang="fr-FR" dirty="0"/>
-              <a:t>2.8 - Remédiation</a:t>
+            <a:ext cx="8911687" cy="668096"/>
+          </a:xfrm>
+        </p:spPr>
+        <p:txBody>
+          <a:bodyPr/>
+          <a:lstStyle/>
+          <a:p>
+            <a:r>
+              <a:rPr lang="fr-FR" dirty="0"/>
+              <a:t>1.9 – Organisation de la séquence</a:t>
             </a:r>
           </a:p>
         </p:txBody>
@@ -8675,8 +8710,8 @@
         </p:nvSpPr>
         <p:spPr>
           <a:xfrm>
-            <a:off x="3088153" y="1960211"/>
-            <a:ext cx="8730275" cy="2308324"/>
+            <a:off x="2592924" y="1518700"/>
+            <a:ext cx="8037778" cy="2308324"/>
           </a:xfrm>
           <a:prstGeom prst="rect">
             <a:avLst/>
@@ -8690,22 +8725,24 @@
           <a:lstStyle/>
           <a:p>
             <a:r>
-              <a:rPr lang="fr-FR" dirty="0"/>
-              <a:t>Plus faibles : Activités complémentaire avec aide enseignant</a:t>
-            </a:r>
-          </a:p>
-          <a:p>
-            <a:r>
-              <a:rPr lang="fr-FR" dirty="0"/>
-              <a:t>Plus forts : Travail en autonomie (carte heuristique, préparer un quizz </a:t>
-            </a:r>
-            <a:r>
-              <a:rPr lang="fr-FR" dirty="0" err="1"/>
-              <a:t>plickers</a:t>
-            </a:r>
-            <a:r>
-              <a:rPr lang="fr-FR" dirty="0"/>
-              <a:t>)</a:t>
+              <a:rPr lang="fr-FR"/>
+              <a:t>Modalité pédagogique</a:t>
+            </a:r>
+          </a:p>
+          <a:p>
+            <a:r>
+              <a:rPr lang="fr-FR"/>
+              <a:t>Rappeler </a:t>
+            </a:r>
+            <a:r>
+              <a:rPr lang="fr-FR" dirty="0"/>
+              <a:t>le nombre de séances et leurs durées</a:t>
+            </a:r>
+          </a:p>
+          <a:p>
+            <a:r>
+              <a:rPr lang="fr-FR" dirty="0"/>
+              <a:t>Classe entière ou demi-groupe</a:t>
             </a:r>
           </a:p>
           <a:p>
@@ -8713,69 +8750,583 @@
           </a:p>
           <a:p>
             <a:r>
-              <a:rPr lang="fr-FR" u="sng" dirty="0"/>
-              <a:t>Exemple de </a:t>
-            </a:r>
-            <a:r>
-              <a:rPr lang="fr-FR" u="sng" dirty="0" err="1"/>
-              <a:t>remédiation</a:t>
-            </a:r>
-            <a:r>
-              <a:rPr lang="fr-FR" u="sng" dirty="0"/>
-              <a:t> possible</a:t>
-            </a:r>
-          </a:p>
-          <a:p>
-            <a:pPr lvl="1">
-              <a:buFont typeface="Arial" pitchFamily="34" charset="0"/>
-              <a:buChar char="•"/>
-            </a:pPr>
-            <a:r>
-              <a:rPr lang="fr-FR" dirty="0"/>
-              <a:t>Rappels des points importants de la séquence</a:t>
-            </a:r>
-          </a:p>
-          <a:p>
-            <a:pPr lvl="1">
-              <a:buFont typeface="Arial" pitchFamily="34" charset="0"/>
-              <a:buChar char="•"/>
-            </a:pPr>
-            <a:r>
-              <a:rPr lang="fr-FR" dirty="0"/>
-              <a:t>Etablissement d’une fiche de synthèse par élèves. </a:t>
-            </a:r>
-          </a:p>
-          <a:p>
-            <a:pPr lvl="1">
-              <a:buFont typeface="Arial" pitchFamily="34" charset="0"/>
-              <a:buChar char="•"/>
-            </a:pPr>
-            <a:r>
-              <a:rPr lang="fr-FR" dirty="0"/>
-              <a:t>Brassage des fiches et distribution à l’ensemble de la classe</a:t>
-            </a:r>
-          </a:p>
-          <a:p>
-            <a:pPr lvl="1">
-              <a:buFont typeface="Arial" pitchFamily="34" charset="0"/>
-              <a:buChar char="•"/>
-            </a:pPr>
-            <a:r>
-              <a:rPr lang="fr-FR" dirty="0"/>
-              <a:t>QCM </a:t>
-            </a:r>
-            <a:r>
-              <a:rPr lang="fr-FR" dirty="0" err="1"/>
-              <a:t>Plickers</a:t>
-            </a:r>
-            <a:endParaRPr lang="fr-FR" dirty="0"/>
+              <a:rPr lang="fr-FR" dirty="0"/>
+              <a:t>Inductive : démarche de projet, investigation,  résolution de problème</a:t>
+            </a:r>
+          </a:p>
+          <a:p>
+            <a:r>
+              <a:rPr lang="fr-FR" dirty="0"/>
+              <a:t>Déductive : plus rapide mais cours doit être dynamique</a:t>
+            </a:r>
+          </a:p>
+          <a:p>
+            <a:r>
+              <a:rPr lang="fr-FR" dirty="0"/>
+              <a:t>Projet : ne pas les oublier (1STI2D (36h), TSTI2D (72h), 1SI (12h), TSI(48h) </a:t>
+            </a:r>
+          </a:p>
+          <a:p>
+            <a:r>
+              <a:rPr lang="fr-FR" dirty="0"/>
+              <a:t>JUSTIFIER</a:t>
+            </a:r>
+          </a:p>
+        </p:txBody>
+      </p:sp>
+      <p:sp>
+        <p:nvSpPr>
+          <p:cNvPr id="6" name="ZoneTexte 5"/>
+          <p:cNvSpPr txBox="1"/>
+          <p:nvPr/>
+        </p:nvSpPr>
+        <p:spPr>
+          <a:xfrm>
+            <a:off x="2521206" y="3591853"/>
+            <a:ext cx="6465231" cy="369332"/>
+          </a:xfrm>
+          <a:prstGeom prst="rect">
+            <a:avLst/>
+          </a:prstGeom>
+          <a:noFill/>
+        </p:spPr>
+        <p:txBody>
+          <a:bodyPr wrap="none" rtlCol="0">
+            <a:spAutoFit/>
+          </a:bodyPr>
+          <a:lstStyle/>
+          <a:p>
+            <a:r>
+              <a:rPr lang="fr-FR" b="1" u="sng" dirty="0"/>
+              <a:t>Ex GEII</a:t>
+            </a:r>
+            <a:r>
+              <a:rPr lang="fr-FR" b="1" dirty="0"/>
+              <a:t> (CM=6h (4x1,5h)  TD=14h (4x3,5h) TP=10h(4x2,5h)</a:t>
+            </a:r>
+          </a:p>
+        </p:txBody>
+      </p:sp>
+      <p:sp>
+        <p:nvSpPr>
+          <p:cNvPr id="4" name="Rectangle à coins arrondis 3"/>
+          <p:cNvSpPr/>
+          <p:nvPr/>
+        </p:nvSpPr>
+        <p:spPr>
+          <a:xfrm>
+            <a:off x="2592924" y="4003013"/>
+            <a:ext cx="1326776" cy="439270"/>
+          </a:xfrm>
+          <a:prstGeom prst="roundRect">
+            <a:avLst/>
+          </a:prstGeom>
+        </p:spPr>
+        <p:style>
+          <a:lnRef idx="2">
+            <a:schemeClr val="accent1">
+              <a:shade val="50000"/>
+            </a:schemeClr>
+          </a:lnRef>
+          <a:fillRef idx="1">
+            <a:schemeClr val="accent1"/>
+          </a:fillRef>
+          <a:effectRef idx="0">
+            <a:schemeClr val="accent1"/>
+          </a:effectRef>
+          <a:fontRef idx="minor">
+            <a:schemeClr val="lt1"/>
+          </a:fontRef>
+        </p:style>
+        <p:txBody>
+          <a:bodyPr rtlCol="0" anchor="ctr"/>
+          <a:lstStyle/>
+          <a:p>
+            <a:pPr algn="ctr"/>
+            <a:r>
+              <a:rPr lang="fr-FR" dirty="0"/>
+              <a:t>CM (1,5h)</a:t>
+            </a:r>
+          </a:p>
+        </p:txBody>
+      </p:sp>
+      <p:sp>
+        <p:nvSpPr>
+          <p:cNvPr id="7" name="Rectangle à coins arrondis 6"/>
+          <p:cNvSpPr/>
+          <p:nvPr/>
+        </p:nvSpPr>
+        <p:spPr>
+          <a:xfrm>
+            <a:off x="4081065" y="4003013"/>
+            <a:ext cx="1326776" cy="439270"/>
+          </a:xfrm>
+          <a:prstGeom prst="roundRect">
+            <a:avLst/>
+          </a:prstGeom>
+        </p:spPr>
+        <p:style>
+          <a:lnRef idx="2">
+            <a:schemeClr val="accent1">
+              <a:shade val="50000"/>
+            </a:schemeClr>
+          </a:lnRef>
+          <a:fillRef idx="1">
+            <a:schemeClr val="accent1"/>
+          </a:fillRef>
+          <a:effectRef idx="0">
+            <a:schemeClr val="accent1"/>
+          </a:effectRef>
+          <a:fontRef idx="minor">
+            <a:schemeClr val="lt1"/>
+          </a:fontRef>
+        </p:style>
+        <p:txBody>
+          <a:bodyPr rtlCol="0" anchor="ctr"/>
+          <a:lstStyle/>
+          <a:p>
+            <a:pPr algn="ctr"/>
+            <a:r>
+              <a:rPr lang="fr-FR" dirty="0"/>
+              <a:t>TD1 (2h)  </a:t>
+            </a:r>
+          </a:p>
+        </p:txBody>
+      </p:sp>
+      <p:sp>
+        <p:nvSpPr>
+          <p:cNvPr id="8" name="Rectangle à coins arrondis 7"/>
+          <p:cNvSpPr/>
+          <p:nvPr/>
+        </p:nvSpPr>
+        <p:spPr>
+          <a:xfrm>
+            <a:off x="5589643" y="4003013"/>
+            <a:ext cx="1326776" cy="439270"/>
+          </a:xfrm>
+          <a:prstGeom prst="roundRect">
+            <a:avLst/>
+          </a:prstGeom>
+        </p:spPr>
+        <p:style>
+          <a:lnRef idx="2">
+            <a:schemeClr val="accent1">
+              <a:shade val="50000"/>
+            </a:schemeClr>
+          </a:lnRef>
+          <a:fillRef idx="1">
+            <a:schemeClr val="accent1"/>
+          </a:fillRef>
+          <a:effectRef idx="0">
+            <a:schemeClr val="accent1"/>
+          </a:effectRef>
+          <a:fontRef idx="minor">
+            <a:schemeClr val="lt1"/>
+          </a:fontRef>
+        </p:style>
+        <p:txBody>
+          <a:bodyPr rtlCol="0" anchor="ctr"/>
+          <a:lstStyle/>
+          <a:p>
+            <a:pPr algn="ctr"/>
+            <a:r>
+              <a:rPr lang="fr-FR" dirty="0"/>
+              <a:t>TD2 (1,5h)  </a:t>
+            </a:r>
+          </a:p>
+        </p:txBody>
+      </p:sp>
+      <p:sp>
+        <p:nvSpPr>
+          <p:cNvPr id="9" name="Rectangle à coins arrondis 8"/>
+          <p:cNvSpPr/>
+          <p:nvPr/>
+        </p:nvSpPr>
+        <p:spPr>
+          <a:xfrm>
+            <a:off x="7053398" y="4003013"/>
+            <a:ext cx="1326776" cy="439270"/>
+          </a:xfrm>
+          <a:prstGeom prst="roundRect">
+            <a:avLst/>
+          </a:prstGeom>
+        </p:spPr>
+        <p:style>
+          <a:lnRef idx="2">
+            <a:schemeClr val="accent1">
+              <a:shade val="50000"/>
+            </a:schemeClr>
+          </a:lnRef>
+          <a:fillRef idx="1">
+            <a:schemeClr val="accent1"/>
+          </a:fillRef>
+          <a:effectRef idx="0">
+            <a:schemeClr val="accent1"/>
+          </a:effectRef>
+          <a:fontRef idx="minor">
+            <a:schemeClr val="lt1"/>
+          </a:fontRef>
+        </p:style>
+        <p:txBody>
+          <a:bodyPr rtlCol="0" anchor="ctr"/>
+          <a:lstStyle/>
+          <a:p>
+            <a:pPr algn="ctr"/>
+            <a:r>
+              <a:rPr lang="fr-FR" dirty="0"/>
+              <a:t>TP (2,5h)  </a:t>
+            </a:r>
+          </a:p>
+        </p:txBody>
+      </p:sp>
+      <p:sp>
+        <p:nvSpPr>
+          <p:cNvPr id="10" name="Rectangle à coins arrondis 9"/>
+          <p:cNvSpPr/>
+          <p:nvPr/>
+        </p:nvSpPr>
+        <p:spPr>
+          <a:xfrm>
+            <a:off x="2592924" y="4539934"/>
+            <a:ext cx="1326776" cy="439270"/>
+          </a:xfrm>
+          <a:prstGeom prst="roundRect">
+            <a:avLst/>
+          </a:prstGeom>
+        </p:spPr>
+        <p:style>
+          <a:lnRef idx="2">
+            <a:schemeClr val="accent1">
+              <a:shade val="50000"/>
+            </a:schemeClr>
+          </a:lnRef>
+          <a:fillRef idx="1">
+            <a:schemeClr val="accent1"/>
+          </a:fillRef>
+          <a:effectRef idx="0">
+            <a:schemeClr val="accent1"/>
+          </a:effectRef>
+          <a:fontRef idx="minor">
+            <a:schemeClr val="lt1"/>
+          </a:fontRef>
+        </p:style>
+        <p:txBody>
+          <a:bodyPr rtlCol="0" anchor="ctr"/>
+          <a:lstStyle/>
+          <a:p>
+            <a:pPr algn="ctr"/>
+            <a:r>
+              <a:rPr lang="fr-FR" dirty="0"/>
+              <a:t>CM (1,5h)</a:t>
+            </a:r>
+          </a:p>
+        </p:txBody>
+      </p:sp>
+      <p:sp>
+        <p:nvSpPr>
+          <p:cNvPr id="11" name="Rectangle à coins arrondis 10"/>
+          <p:cNvSpPr/>
+          <p:nvPr/>
+        </p:nvSpPr>
+        <p:spPr>
+          <a:xfrm>
+            <a:off x="4081065" y="4539934"/>
+            <a:ext cx="1326776" cy="439270"/>
+          </a:xfrm>
+          <a:prstGeom prst="roundRect">
+            <a:avLst/>
+          </a:prstGeom>
+        </p:spPr>
+        <p:style>
+          <a:lnRef idx="2">
+            <a:schemeClr val="accent1">
+              <a:shade val="50000"/>
+            </a:schemeClr>
+          </a:lnRef>
+          <a:fillRef idx="1">
+            <a:schemeClr val="accent1"/>
+          </a:fillRef>
+          <a:effectRef idx="0">
+            <a:schemeClr val="accent1"/>
+          </a:effectRef>
+          <a:fontRef idx="minor">
+            <a:schemeClr val="lt1"/>
+          </a:fontRef>
+        </p:style>
+        <p:txBody>
+          <a:bodyPr rtlCol="0" anchor="ctr"/>
+          <a:lstStyle/>
+          <a:p>
+            <a:pPr algn="ctr"/>
+            <a:r>
+              <a:rPr lang="fr-FR" dirty="0"/>
+              <a:t>TD1 (2h)  </a:t>
+            </a:r>
+          </a:p>
+        </p:txBody>
+      </p:sp>
+      <p:sp>
+        <p:nvSpPr>
+          <p:cNvPr id="12" name="Rectangle à coins arrondis 11"/>
+          <p:cNvSpPr/>
+          <p:nvPr/>
+        </p:nvSpPr>
+        <p:spPr>
+          <a:xfrm>
+            <a:off x="5589643" y="4539934"/>
+            <a:ext cx="1326776" cy="439270"/>
+          </a:xfrm>
+          <a:prstGeom prst="roundRect">
+            <a:avLst/>
+          </a:prstGeom>
+        </p:spPr>
+        <p:style>
+          <a:lnRef idx="2">
+            <a:schemeClr val="accent1">
+              <a:shade val="50000"/>
+            </a:schemeClr>
+          </a:lnRef>
+          <a:fillRef idx="1">
+            <a:schemeClr val="accent1"/>
+          </a:fillRef>
+          <a:effectRef idx="0">
+            <a:schemeClr val="accent1"/>
+          </a:effectRef>
+          <a:fontRef idx="minor">
+            <a:schemeClr val="lt1"/>
+          </a:fontRef>
+        </p:style>
+        <p:txBody>
+          <a:bodyPr rtlCol="0" anchor="ctr"/>
+          <a:lstStyle/>
+          <a:p>
+            <a:pPr algn="ctr"/>
+            <a:r>
+              <a:rPr lang="fr-FR" dirty="0"/>
+              <a:t>TD2 (1,5h)  </a:t>
+            </a:r>
+          </a:p>
+        </p:txBody>
+      </p:sp>
+      <p:sp>
+        <p:nvSpPr>
+          <p:cNvPr id="13" name="Rectangle à coins arrondis 12"/>
+          <p:cNvSpPr/>
+          <p:nvPr/>
+        </p:nvSpPr>
+        <p:spPr>
+          <a:xfrm>
+            <a:off x="7053398" y="4539934"/>
+            <a:ext cx="1326776" cy="439270"/>
+          </a:xfrm>
+          <a:prstGeom prst="roundRect">
+            <a:avLst/>
+          </a:prstGeom>
+        </p:spPr>
+        <p:style>
+          <a:lnRef idx="2">
+            <a:schemeClr val="accent1">
+              <a:shade val="50000"/>
+            </a:schemeClr>
+          </a:lnRef>
+          <a:fillRef idx="1">
+            <a:schemeClr val="accent1"/>
+          </a:fillRef>
+          <a:effectRef idx="0">
+            <a:schemeClr val="accent1"/>
+          </a:effectRef>
+          <a:fontRef idx="minor">
+            <a:schemeClr val="lt1"/>
+          </a:fontRef>
+        </p:style>
+        <p:txBody>
+          <a:bodyPr rtlCol="0" anchor="ctr"/>
+          <a:lstStyle/>
+          <a:p>
+            <a:pPr algn="ctr"/>
+            <a:r>
+              <a:rPr lang="fr-FR" dirty="0"/>
+              <a:t>TP (2,5h)  </a:t>
+            </a:r>
+          </a:p>
+        </p:txBody>
+      </p:sp>
+      <p:sp>
+        <p:nvSpPr>
+          <p:cNvPr id="14" name="Rectangle à coins arrondis 13"/>
+          <p:cNvSpPr/>
+          <p:nvPr/>
+        </p:nvSpPr>
+        <p:spPr>
+          <a:xfrm>
+            <a:off x="2592924" y="5076855"/>
+            <a:ext cx="1326776" cy="439270"/>
+          </a:xfrm>
+          <a:prstGeom prst="roundRect">
+            <a:avLst/>
+          </a:prstGeom>
+        </p:spPr>
+        <p:style>
+          <a:lnRef idx="2">
+            <a:schemeClr val="accent1">
+              <a:shade val="50000"/>
+            </a:schemeClr>
+          </a:lnRef>
+          <a:fillRef idx="1">
+            <a:schemeClr val="accent1"/>
+          </a:fillRef>
+          <a:effectRef idx="0">
+            <a:schemeClr val="accent1"/>
+          </a:effectRef>
+          <a:fontRef idx="minor">
+            <a:schemeClr val="lt1"/>
+          </a:fontRef>
+        </p:style>
+        <p:txBody>
+          <a:bodyPr rtlCol="0" anchor="ctr"/>
+          <a:lstStyle/>
+          <a:p>
+            <a:pPr algn="ctr"/>
+            <a:r>
+              <a:rPr lang="fr-FR" dirty="0"/>
+              <a:t>CM (1,5h)</a:t>
+            </a:r>
+          </a:p>
+        </p:txBody>
+      </p:sp>
+      <p:sp>
+        <p:nvSpPr>
+          <p:cNvPr id="15" name="Rectangle à coins arrondis 14"/>
+          <p:cNvSpPr/>
+          <p:nvPr/>
+        </p:nvSpPr>
+        <p:spPr>
+          <a:xfrm>
+            <a:off x="4081065" y="5076855"/>
+            <a:ext cx="1326776" cy="439270"/>
+          </a:xfrm>
+          <a:prstGeom prst="roundRect">
+            <a:avLst/>
+          </a:prstGeom>
+        </p:spPr>
+        <p:style>
+          <a:lnRef idx="2">
+            <a:schemeClr val="accent1">
+              <a:shade val="50000"/>
+            </a:schemeClr>
+          </a:lnRef>
+          <a:fillRef idx="1">
+            <a:schemeClr val="accent1"/>
+          </a:fillRef>
+          <a:effectRef idx="0">
+            <a:schemeClr val="accent1"/>
+          </a:effectRef>
+          <a:fontRef idx="minor">
+            <a:schemeClr val="lt1"/>
+          </a:fontRef>
+        </p:style>
+        <p:txBody>
+          <a:bodyPr rtlCol="0" anchor="ctr"/>
+          <a:lstStyle/>
+          <a:p>
+            <a:pPr algn="ctr"/>
+            <a:r>
+              <a:rPr lang="fr-FR" dirty="0"/>
+              <a:t>TD1 (2h)  </a:t>
+            </a:r>
+          </a:p>
+        </p:txBody>
+      </p:sp>
+      <p:sp>
+        <p:nvSpPr>
+          <p:cNvPr id="16" name="Rectangle à coins arrondis 15"/>
+          <p:cNvSpPr/>
+          <p:nvPr/>
+        </p:nvSpPr>
+        <p:spPr>
+          <a:xfrm>
+            <a:off x="5589643" y="5076855"/>
+            <a:ext cx="1326776" cy="439270"/>
+          </a:xfrm>
+          <a:prstGeom prst="roundRect">
+            <a:avLst/>
+          </a:prstGeom>
+        </p:spPr>
+        <p:style>
+          <a:lnRef idx="2">
+            <a:schemeClr val="accent1">
+              <a:shade val="50000"/>
+            </a:schemeClr>
+          </a:lnRef>
+          <a:fillRef idx="1">
+            <a:schemeClr val="accent1"/>
+          </a:fillRef>
+          <a:effectRef idx="0">
+            <a:schemeClr val="accent1"/>
+          </a:effectRef>
+          <a:fontRef idx="minor">
+            <a:schemeClr val="lt1"/>
+          </a:fontRef>
+        </p:style>
+        <p:txBody>
+          <a:bodyPr rtlCol="0" anchor="ctr"/>
+          <a:lstStyle/>
+          <a:p>
+            <a:pPr algn="ctr"/>
+            <a:r>
+              <a:rPr lang="fr-FR" dirty="0"/>
+              <a:t>TD2 (1,5h)  </a:t>
+            </a:r>
+          </a:p>
+        </p:txBody>
+      </p:sp>
+      <p:sp>
+        <p:nvSpPr>
+          <p:cNvPr id="17" name="Rectangle à coins arrondis 16"/>
+          <p:cNvSpPr/>
+          <p:nvPr/>
+        </p:nvSpPr>
+        <p:spPr>
+          <a:xfrm>
+            <a:off x="7053398" y="5076855"/>
+            <a:ext cx="1326776" cy="439270"/>
+          </a:xfrm>
+          <a:prstGeom prst="roundRect">
+            <a:avLst/>
+          </a:prstGeom>
+        </p:spPr>
+        <p:style>
+          <a:lnRef idx="2">
+            <a:schemeClr val="accent1">
+              <a:shade val="50000"/>
+            </a:schemeClr>
+          </a:lnRef>
+          <a:fillRef idx="1">
+            <a:schemeClr val="accent1"/>
+          </a:fillRef>
+          <a:effectRef idx="0">
+            <a:schemeClr val="accent1"/>
+          </a:effectRef>
+          <a:fontRef idx="minor">
+            <a:schemeClr val="lt1"/>
+          </a:fontRef>
+        </p:style>
+        <p:txBody>
+          <a:bodyPr rtlCol="0" anchor="ctr"/>
+          <a:lstStyle/>
+          <a:p>
+            <a:pPr algn="ctr"/>
+            <a:r>
+              <a:rPr lang="fr-FR" dirty="0"/>
+              <a:t>TP (2,5h)  </a:t>
+            </a:r>
           </a:p>
         </p:txBody>
       </p:sp>
     </p:spTree>
     <p:extLst>
       <p:ext uri="{BB962C8B-B14F-4D97-AF65-F5344CB8AC3E}">
-        <p14:creationId xmlns:p14="http://schemas.microsoft.com/office/powerpoint/2010/main" val="873783962"/>
+        <p14:creationId xmlns:p14="http://schemas.microsoft.com/office/powerpoint/2010/main" val="3559783167"/>
       </p:ext>
     </p:extLst>
   </p:cSld>
@@ -8824,7 +9375,7 @@
           <a:p>
             <a:r>
               <a:rPr lang="fr-FR" dirty="0"/>
-              <a:t>2.9 – Organisation de la séquence</a:t>
+              <a:t>1.9 – Organisation de la séquence</a:t>
             </a:r>
           </a:p>
         </p:txBody>
@@ -8848,698 +9399,6 @@
               <a:rPr lang="en-US" smtClean="0"/>
               <a:pPr/>
               <a:t>13</a:t>
-            </a:fld>
-            <a:endParaRPr lang="en-US" dirty="0"/>
-          </a:p>
-        </p:txBody>
-      </p:sp>
-      <p:sp>
-        <p:nvSpPr>
-          <p:cNvPr id="5" name="ZoneTexte 4"/>
-          <p:cNvSpPr txBox="1"/>
-          <p:nvPr/>
-        </p:nvSpPr>
-        <p:spPr>
-          <a:xfrm>
-            <a:off x="2592924" y="1518700"/>
-            <a:ext cx="8037778" cy="2031325"/>
-          </a:xfrm>
-          <a:prstGeom prst="rect">
-            <a:avLst/>
-          </a:prstGeom>
-          <a:noFill/>
-        </p:spPr>
-        <p:txBody>
-          <a:bodyPr wrap="none" rtlCol="0">
-            <a:spAutoFit/>
-          </a:bodyPr>
-          <a:lstStyle/>
-          <a:p>
-            <a:r>
-              <a:rPr lang="fr-FR" dirty="0"/>
-              <a:t>Rappeler le nombre de séances et leurs durées</a:t>
-            </a:r>
-          </a:p>
-          <a:p>
-            <a:r>
-              <a:rPr lang="fr-FR" dirty="0"/>
-              <a:t>Classe entière ou demi-groupe</a:t>
-            </a:r>
-          </a:p>
-          <a:p>
-            <a:endParaRPr lang="fr-FR" dirty="0"/>
-          </a:p>
-          <a:p>
-            <a:r>
-              <a:rPr lang="fr-FR" dirty="0"/>
-              <a:t>Inductive : démarche de projet, investigation,  résolution de problème</a:t>
-            </a:r>
-          </a:p>
-          <a:p>
-            <a:r>
-              <a:rPr lang="fr-FR" dirty="0"/>
-              <a:t>Déductive : plus rapide mais cours doit être dynamique</a:t>
-            </a:r>
-          </a:p>
-          <a:p>
-            <a:r>
-              <a:rPr lang="fr-FR" dirty="0"/>
-              <a:t>Projet : ne pas les oublier (1STI2D (36h), TSTI2D (72h), 1SI (12h), TSI(48h) </a:t>
-            </a:r>
-          </a:p>
-          <a:p>
-            <a:r>
-              <a:rPr lang="fr-FR" dirty="0"/>
-              <a:t>JUSTIFIER</a:t>
-            </a:r>
-          </a:p>
-        </p:txBody>
-      </p:sp>
-      <p:sp>
-        <p:nvSpPr>
-          <p:cNvPr id="6" name="ZoneTexte 5"/>
-          <p:cNvSpPr txBox="1"/>
-          <p:nvPr/>
-        </p:nvSpPr>
-        <p:spPr>
-          <a:xfrm>
-            <a:off x="2521206" y="3591853"/>
-            <a:ext cx="6465231" cy="369332"/>
-          </a:xfrm>
-          <a:prstGeom prst="rect">
-            <a:avLst/>
-          </a:prstGeom>
-          <a:noFill/>
-        </p:spPr>
-        <p:txBody>
-          <a:bodyPr wrap="none" rtlCol="0">
-            <a:spAutoFit/>
-          </a:bodyPr>
-          <a:lstStyle/>
-          <a:p>
-            <a:r>
-              <a:rPr lang="fr-FR" b="1" u="sng" dirty="0"/>
-              <a:t>Ex GEII</a:t>
-            </a:r>
-            <a:r>
-              <a:rPr lang="fr-FR" b="1" dirty="0"/>
-              <a:t> (CM=6h (4x1,5h)  TD=14h (4x3,5h) TP=10h(4x2,5h)</a:t>
-            </a:r>
-          </a:p>
-        </p:txBody>
-      </p:sp>
-      <p:sp>
-        <p:nvSpPr>
-          <p:cNvPr id="4" name="Rectangle à coins arrondis 3"/>
-          <p:cNvSpPr/>
-          <p:nvPr/>
-        </p:nvSpPr>
-        <p:spPr>
-          <a:xfrm>
-            <a:off x="2592924" y="4003013"/>
-            <a:ext cx="1326776" cy="439270"/>
-          </a:xfrm>
-          <a:prstGeom prst="roundRect">
-            <a:avLst/>
-          </a:prstGeom>
-        </p:spPr>
-        <p:style>
-          <a:lnRef idx="2">
-            <a:schemeClr val="accent1">
-              <a:shade val="50000"/>
-            </a:schemeClr>
-          </a:lnRef>
-          <a:fillRef idx="1">
-            <a:schemeClr val="accent1"/>
-          </a:fillRef>
-          <a:effectRef idx="0">
-            <a:schemeClr val="accent1"/>
-          </a:effectRef>
-          <a:fontRef idx="minor">
-            <a:schemeClr val="lt1"/>
-          </a:fontRef>
-        </p:style>
-        <p:txBody>
-          <a:bodyPr rtlCol="0" anchor="ctr"/>
-          <a:lstStyle/>
-          <a:p>
-            <a:pPr algn="ctr"/>
-            <a:r>
-              <a:rPr lang="fr-FR" dirty="0"/>
-              <a:t>CM (1,5h)</a:t>
-            </a:r>
-          </a:p>
-        </p:txBody>
-      </p:sp>
-      <p:sp>
-        <p:nvSpPr>
-          <p:cNvPr id="7" name="Rectangle à coins arrondis 6"/>
-          <p:cNvSpPr/>
-          <p:nvPr/>
-        </p:nvSpPr>
-        <p:spPr>
-          <a:xfrm>
-            <a:off x="4081065" y="4003013"/>
-            <a:ext cx="1326776" cy="439270"/>
-          </a:xfrm>
-          <a:prstGeom prst="roundRect">
-            <a:avLst/>
-          </a:prstGeom>
-        </p:spPr>
-        <p:style>
-          <a:lnRef idx="2">
-            <a:schemeClr val="accent1">
-              <a:shade val="50000"/>
-            </a:schemeClr>
-          </a:lnRef>
-          <a:fillRef idx="1">
-            <a:schemeClr val="accent1"/>
-          </a:fillRef>
-          <a:effectRef idx="0">
-            <a:schemeClr val="accent1"/>
-          </a:effectRef>
-          <a:fontRef idx="minor">
-            <a:schemeClr val="lt1"/>
-          </a:fontRef>
-        </p:style>
-        <p:txBody>
-          <a:bodyPr rtlCol="0" anchor="ctr"/>
-          <a:lstStyle/>
-          <a:p>
-            <a:pPr algn="ctr"/>
-            <a:r>
-              <a:rPr lang="fr-FR" dirty="0"/>
-              <a:t>TD1 (2h)  </a:t>
-            </a:r>
-          </a:p>
-        </p:txBody>
-      </p:sp>
-      <p:sp>
-        <p:nvSpPr>
-          <p:cNvPr id="8" name="Rectangle à coins arrondis 7"/>
-          <p:cNvSpPr/>
-          <p:nvPr/>
-        </p:nvSpPr>
-        <p:spPr>
-          <a:xfrm>
-            <a:off x="5589643" y="4003013"/>
-            <a:ext cx="1326776" cy="439270"/>
-          </a:xfrm>
-          <a:prstGeom prst="roundRect">
-            <a:avLst/>
-          </a:prstGeom>
-        </p:spPr>
-        <p:style>
-          <a:lnRef idx="2">
-            <a:schemeClr val="accent1">
-              <a:shade val="50000"/>
-            </a:schemeClr>
-          </a:lnRef>
-          <a:fillRef idx="1">
-            <a:schemeClr val="accent1"/>
-          </a:fillRef>
-          <a:effectRef idx="0">
-            <a:schemeClr val="accent1"/>
-          </a:effectRef>
-          <a:fontRef idx="minor">
-            <a:schemeClr val="lt1"/>
-          </a:fontRef>
-        </p:style>
-        <p:txBody>
-          <a:bodyPr rtlCol="0" anchor="ctr"/>
-          <a:lstStyle/>
-          <a:p>
-            <a:pPr algn="ctr"/>
-            <a:r>
-              <a:rPr lang="fr-FR" dirty="0"/>
-              <a:t>TD2 (1,5h)  </a:t>
-            </a:r>
-          </a:p>
-        </p:txBody>
-      </p:sp>
-      <p:sp>
-        <p:nvSpPr>
-          <p:cNvPr id="9" name="Rectangle à coins arrondis 8"/>
-          <p:cNvSpPr/>
-          <p:nvPr/>
-        </p:nvSpPr>
-        <p:spPr>
-          <a:xfrm>
-            <a:off x="7053398" y="4003013"/>
-            <a:ext cx="1326776" cy="439270"/>
-          </a:xfrm>
-          <a:prstGeom prst="roundRect">
-            <a:avLst/>
-          </a:prstGeom>
-        </p:spPr>
-        <p:style>
-          <a:lnRef idx="2">
-            <a:schemeClr val="accent1">
-              <a:shade val="50000"/>
-            </a:schemeClr>
-          </a:lnRef>
-          <a:fillRef idx="1">
-            <a:schemeClr val="accent1"/>
-          </a:fillRef>
-          <a:effectRef idx="0">
-            <a:schemeClr val="accent1"/>
-          </a:effectRef>
-          <a:fontRef idx="minor">
-            <a:schemeClr val="lt1"/>
-          </a:fontRef>
-        </p:style>
-        <p:txBody>
-          <a:bodyPr rtlCol="0" anchor="ctr"/>
-          <a:lstStyle/>
-          <a:p>
-            <a:pPr algn="ctr"/>
-            <a:r>
-              <a:rPr lang="fr-FR" dirty="0"/>
-              <a:t>TP (2,5h)  </a:t>
-            </a:r>
-          </a:p>
-        </p:txBody>
-      </p:sp>
-      <p:sp>
-        <p:nvSpPr>
-          <p:cNvPr id="10" name="Rectangle à coins arrondis 9"/>
-          <p:cNvSpPr/>
-          <p:nvPr/>
-        </p:nvSpPr>
-        <p:spPr>
-          <a:xfrm>
-            <a:off x="2592924" y="4539934"/>
-            <a:ext cx="1326776" cy="439270"/>
-          </a:xfrm>
-          <a:prstGeom prst="roundRect">
-            <a:avLst/>
-          </a:prstGeom>
-        </p:spPr>
-        <p:style>
-          <a:lnRef idx="2">
-            <a:schemeClr val="accent1">
-              <a:shade val="50000"/>
-            </a:schemeClr>
-          </a:lnRef>
-          <a:fillRef idx="1">
-            <a:schemeClr val="accent1"/>
-          </a:fillRef>
-          <a:effectRef idx="0">
-            <a:schemeClr val="accent1"/>
-          </a:effectRef>
-          <a:fontRef idx="minor">
-            <a:schemeClr val="lt1"/>
-          </a:fontRef>
-        </p:style>
-        <p:txBody>
-          <a:bodyPr rtlCol="0" anchor="ctr"/>
-          <a:lstStyle/>
-          <a:p>
-            <a:pPr algn="ctr"/>
-            <a:r>
-              <a:rPr lang="fr-FR" dirty="0"/>
-              <a:t>CM (1,5h)</a:t>
-            </a:r>
-          </a:p>
-        </p:txBody>
-      </p:sp>
-      <p:sp>
-        <p:nvSpPr>
-          <p:cNvPr id="11" name="Rectangle à coins arrondis 10"/>
-          <p:cNvSpPr/>
-          <p:nvPr/>
-        </p:nvSpPr>
-        <p:spPr>
-          <a:xfrm>
-            <a:off x="4081065" y="4539934"/>
-            <a:ext cx="1326776" cy="439270"/>
-          </a:xfrm>
-          <a:prstGeom prst="roundRect">
-            <a:avLst/>
-          </a:prstGeom>
-        </p:spPr>
-        <p:style>
-          <a:lnRef idx="2">
-            <a:schemeClr val="accent1">
-              <a:shade val="50000"/>
-            </a:schemeClr>
-          </a:lnRef>
-          <a:fillRef idx="1">
-            <a:schemeClr val="accent1"/>
-          </a:fillRef>
-          <a:effectRef idx="0">
-            <a:schemeClr val="accent1"/>
-          </a:effectRef>
-          <a:fontRef idx="minor">
-            <a:schemeClr val="lt1"/>
-          </a:fontRef>
-        </p:style>
-        <p:txBody>
-          <a:bodyPr rtlCol="0" anchor="ctr"/>
-          <a:lstStyle/>
-          <a:p>
-            <a:pPr algn="ctr"/>
-            <a:r>
-              <a:rPr lang="fr-FR" dirty="0"/>
-              <a:t>TD1 (2h)  </a:t>
-            </a:r>
-          </a:p>
-        </p:txBody>
-      </p:sp>
-      <p:sp>
-        <p:nvSpPr>
-          <p:cNvPr id="12" name="Rectangle à coins arrondis 11"/>
-          <p:cNvSpPr/>
-          <p:nvPr/>
-        </p:nvSpPr>
-        <p:spPr>
-          <a:xfrm>
-            <a:off x="5589643" y="4539934"/>
-            <a:ext cx="1326776" cy="439270"/>
-          </a:xfrm>
-          <a:prstGeom prst="roundRect">
-            <a:avLst/>
-          </a:prstGeom>
-        </p:spPr>
-        <p:style>
-          <a:lnRef idx="2">
-            <a:schemeClr val="accent1">
-              <a:shade val="50000"/>
-            </a:schemeClr>
-          </a:lnRef>
-          <a:fillRef idx="1">
-            <a:schemeClr val="accent1"/>
-          </a:fillRef>
-          <a:effectRef idx="0">
-            <a:schemeClr val="accent1"/>
-          </a:effectRef>
-          <a:fontRef idx="minor">
-            <a:schemeClr val="lt1"/>
-          </a:fontRef>
-        </p:style>
-        <p:txBody>
-          <a:bodyPr rtlCol="0" anchor="ctr"/>
-          <a:lstStyle/>
-          <a:p>
-            <a:pPr algn="ctr"/>
-            <a:r>
-              <a:rPr lang="fr-FR" dirty="0"/>
-              <a:t>TD2 (1,5h)  </a:t>
-            </a:r>
-          </a:p>
-        </p:txBody>
-      </p:sp>
-      <p:sp>
-        <p:nvSpPr>
-          <p:cNvPr id="13" name="Rectangle à coins arrondis 12"/>
-          <p:cNvSpPr/>
-          <p:nvPr/>
-        </p:nvSpPr>
-        <p:spPr>
-          <a:xfrm>
-            <a:off x="7053398" y="4539934"/>
-            <a:ext cx="1326776" cy="439270"/>
-          </a:xfrm>
-          <a:prstGeom prst="roundRect">
-            <a:avLst/>
-          </a:prstGeom>
-        </p:spPr>
-        <p:style>
-          <a:lnRef idx="2">
-            <a:schemeClr val="accent1">
-              <a:shade val="50000"/>
-            </a:schemeClr>
-          </a:lnRef>
-          <a:fillRef idx="1">
-            <a:schemeClr val="accent1"/>
-          </a:fillRef>
-          <a:effectRef idx="0">
-            <a:schemeClr val="accent1"/>
-          </a:effectRef>
-          <a:fontRef idx="minor">
-            <a:schemeClr val="lt1"/>
-          </a:fontRef>
-        </p:style>
-        <p:txBody>
-          <a:bodyPr rtlCol="0" anchor="ctr"/>
-          <a:lstStyle/>
-          <a:p>
-            <a:pPr algn="ctr"/>
-            <a:r>
-              <a:rPr lang="fr-FR" dirty="0"/>
-              <a:t>TP (2,5h)  </a:t>
-            </a:r>
-          </a:p>
-        </p:txBody>
-      </p:sp>
-      <p:sp>
-        <p:nvSpPr>
-          <p:cNvPr id="14" name="Rectangle à coins arrondis 13"/>
-          <p:cNvSpPr/>
-          <p:nvPr/>
-        </p:nvSpPr>
-        <p:spPr>
-          <a:xfrm>
-            <a:off x="2592924" y="5076855"/>
-            <a:ext cx="1326776" cy="439270"/>
-          </a:xfrm>
-          <a:prstGeom prst="roundRect">
-            <a:avLst/>
-          </a:prstGeom>
-        </p:spPr>
-        <p:style>
-          <a:lnRef idx="2">
-            <a:schemeClr val="accent1">
-              <a:shade val="50000"/>
-            </a:schemeClr>
-          </a:lnRef>
-          <a:fillRef idx="1">
-            <a:schemeClr val="accent1"/>
-          </a:fillRef>
-          <a:effectRef idx="0">
-            <a:schemeClr val="accent1"/>
-          </a:effectRef>
-          <a:fontRef idx="minor">
-            <a:schemeClr val="lt1"/>
-          </a:fontRef>
-        </p:style>
-        <p:txBody>
-          <a:bodyPr rtlCol="0" anchor="ctr"/>
-          <a:lstStyle/>
-          <a:p>
-            <a:pPr algn="ctr"/>
-            <a:r>
-              <a:rPr lang="fr-FR" dirty="0"/>
-              <a:t>CM (1,5h)</a:t>
-            </a:r>
-          </a:p>
-        </p:txBody>
-      </p:sp>
-      <p:sp>
-        <p:nvSpPr>
-          <p:cNvPr id="15" name="Rectangle à coins arrondis 14"/>
-          <p:cNvSpPr/>
-          <p:nvPr/>
-        </p:nvSpPr>
-        <p:spPr>
-          <a:xfrm>
-            <a:off x="4081065" y="5076855"/>
-            <a:ext cx="1326776" cy="439270"/>
-          </a:xfrm>
-          <a:prstGeom prst="roundRect">
-            <a:avLst/>
-          </a:prstGeom>
-        </p:spPr>
-        <p:style>
-          <a:lnRef idx="2">
-            <a:schemeClr val="accent1">
-              <a:shade val="50000"/>
-            </a:schemeClr>
-          </a:lnRef>
-          <a:fillRef idx="1">
-            <a:schemeClr val="accent1"/>
-          </a:fillRef>
-          <a:effectRef idx="0">
-            <a:schemeClr val="accent1"/>
-          </a:effectRef>
-          <a:fontRef idx="minor">
-            <a:schemeClr val="lt1"/>
-          </a:fontRef>
-        </p:style>
-        <p:txBody>
-          <a:bodyPr rtlCol="0" anchor="ctr"/>
-          <a:lstStyle/>
-          <a:p>
-            <a:pPr algn="ctr"/>
-            <a:r>
-              <a:rPr lang="fr-FR" dirty="0"/>
-              <a:t>TD1 (2h)  </a:t>
-            </a:r>
-          </a:p>
-        </p:txBody>
-      </p:sp>
-      <p:sp>
-        <p:nvSpPr>
-          <p:cNvPr id="16" name="Rectangle à coins arrondis 15"/>
-          <p:cNvSpPr/>
-          <p:nvPr/>
-        </p:nvSpPr>
-        <p:spPr>
-          <a:xfrm>
-            <a:off x="5589643" y="5076855"/>
-            <a:ext cx="1326776" cy="439270"/>
-          </a:xfrm>
-          <a:prstGeom prst="roundRect">
-            <a:avLst/>
-          </a:prstGeom>
-        </p:spPr>
-        <p:style>
-          <a:lnRef idx="2">
-            <a:schemeClr val="accent1">
-              <a:shade val="50000"/>
-            </a:schemeClr>
-          </a:lnRef>
-          <a:fillRef idx="1">
-            <a:schemeClr val="accent1"/>
-          </a:fillRef>
-          <a:effectRef idx="0">
-            <a:schemeClr val="accent1"/>
-          </a:effectRef>
-          <a:fontRef idx="minor">
-            <a:schemeClr val="lt1"/>
-          </a:fontRef>
-        </p:style>
-        <p:txBody>
-          <a:bodyPr rtlCol="0" anchor="ctr"/>
-          <a:lstStyle/>
-          <a:p>
-            <a:pPr algn="ctr"/>
-            <a:r>
-              <a:rPr lang="fr-FR" dirty="0"/>
-              <a:t>TD2 (1,5h)  </a:t>
-            </a:r>
-          </a:p>
-        </p:txBody>
-      </p:sp>
-      <p:sp>
-        <p:nvSpPr>
-          <p:cNvPr id="17" name="Rectangle à coins arrondis 16"/>
-          <p:cNvSpPr/>
-          <p:nvPr/>
-        </p:nvSpPr>
-        <p:spPr>
-          <a:xfrm>
-            <a:off x="7053398" y="5076855"/>
-            <a:ext cx="1326776" cy="439270"/>
-          </a:xfrm>
-          <a:prstGeom prst="roundRect">
-            <a:avLst/>
-          </a:prstGeom>
-        </p:spPr>
-        <p:style>
-          <a:lnRef idx="2">
-            <a:schemeClr val="accent1">
-              <a:shade val="50000"/>
-            </a:schemeClr>
-          </a:lnRef>
-          <a:fillRef idx="1">
-            <a:schemeClr val="accent1"/>
-          </a:fillRef>
-          <a:effectRef idx="0">
-            <a:schemeClr val="accent1"/>
-          </a:effectRef>
-          <a:fontRef idx="minor">
-            <a:schemeClr val="lt1"/>
-          </a:fontRef>
-        </p:style>
-        <p:txBody>
-          <a:bodyPr rtlCol="0" anchor="ctr"/>
-          <a:lstStyle/>
-          <a:p>
-            <a:pPr algn="ctr"/>
-            <a:r>
-              <a:rPr lang="fr-FR" dirty="0"/>
-              <a:t>TP (2,5h)  </a:t>
-            </a:r>
-          </a:p>
-        </p:txBody>
-      </p:sp>
-    </p:spTree>
-    <p:extLst>
-      <p:ext uri="{BB962C8B-B14F-4D97-AF65-F5344CB8AC3E}">
-        <p14:creationId xmlns:p14="http://schemas.microsoft.com/office/powerpoint/2010/main" val="3559783167"/>
-      </p:ext>
-    </p:extLst>
-  </p:cSld>
-  <p:clrMapOvr>
-    <a:masterClrMapping/>
-  </p:clrMapOvr>
-</p:sld>
-</file>
-
-<file path=ppt/slides/slide14.xml><?xml version="1.0" encoding="utf-8"?>
-<p:sld xmlns:a="http://schemas.openxmlformats.org/drawingml/2006/main" xmlns:r="http://schemas.openxmlformats.org/officeDocument/2006/relationships" xmlns:p="http://schemas.openxmlformats.org/presentationml/2006/main">
-  <p:cSld>
-    <p:spTree>
-      <p:nvGrpSpPr>
-        <p:cNvPr id="1" name=""/>
-        <p:cNvGrpSpPr/>
-        <p:nvPr/>
-      </p:nvGrpSpPr>
-      <p:grpSpPr>
-        <a:xfrm>
-          <a:off x="0" y="0"/>
-          <a:ext cx="0" cy="0"/>
-          <a:chOff x="0" y="0"/>
-          <a:chExt cx="0" cy="0"/>
-        </a:xfrm>
-      </p:grpSpPr>
-      <p:sp>
-        <p:nvSpPr>
-          <p:cNvPr id="2" name="Titre 1"/>
-          <p:cNvSpPr>
-            <a:spLocks noGrp="1"/>
-          </p:cNvSpPr>
-          <p:nvPr>
-            <p:ph type="title"/>
-          </p:nvPr>
-        </p:nvSpPr>
-        <p:spPr>
-          <a:xfrm>
-            <a:off x="2592924" y="624110"/>
-            <a:ext cx="8911687" cy="668096"/>
-          </a:xfrm>
-        </p:spPr>
-        <p:txBody>
-          <a:bodyPr/>
-          <a:lstStyle/>
-          <a:p>
-            <a:r>
-              <a:rPr lang="fr-FR" dirty="0"/>
-              <a:t>2.9 – Organisation de la séquence</a:t>
-            </a:r>
-          </a:p>
-        </p:txBody>
-      </p:sp>
-      <p:sp>
-        <p:nvSpPr>
-          <p:cNvPr id="3" name="Espace réservé du numéro de diapositive 2"/>
-          <p:cNvSpPr>
-            <a:spLocks noGrp="1"/>
-          </p:cNvSpPr>
-          <p:nvPr>
-            <p:ph type="sldNum" sz="quarter" idx="12"/>
-          </p:nvPr>
-        </p:nvSpPr>
-        <p:spPr/>
-        <p:txBody>
-          <a:bodyPr/>
-          <a:lstStyle/>
-          <a:p>
-            <a:fld id="{D57F1E4F-1CFF-5643-939E-217C01CDF565}" type="slidenum">
-              <a:rPr lang="en-US" smtClean="0"/>
-              <a:pPr/>
-              <a:t>14</a:t>
             </a:fld>
             <a:endParaRPr lang="en-US" dirty="0"/>
           </a:p>
@@ -10323,6 +10182,552 @@
 </p:sld>
 </file>
 
+<file path=ppt/slides/slide14.xml><?xml version="1.0" encoding="utf-8"?>
+<p:sld xmlns:a="http://schemas.openxmlformats.org/drawingml/2006/main" xmlns:r="http://schemas.openxmlformats.org/officeDocument/2006/relationships" xmlns:p="http://schemas.openxmlformats.org/presentationml/2006/main">
+  <p:cSld>
+    <p:spTree>
+      <p:nvGrpSpPr>
+        <p:cNvPr id="1" name=""/>
+        <p:cNvGrpSpPr/>
+        <p:nvPr/>
+      </p:nvGrpSpPr>
+      <p:grpSpPr>
+        <a:xfrm>
+          <a:off x="0" y="0"/>
+          <a:ext cx="0" cy="0"/>
+          <a:chOff x="0" y="0"/>
+          <a:chExt cx="0" cy="0"/>
+        </a:xfrm>
+      </p:grpSpPr>
+      <p:sp>
+        <p:nvSpPr>
+          <p:cNvPr id="2" name="Titre 1"/>
+          <p:cNvSpPr>
+            <a:spLocks noGrp="1"/>
+          </p:cNvSpPr>
+          <p:nvPr>
+            <p:ph type="title"/>
+          </p:nvPr>
+        </p:nvSpPr>
+        <p:spPr>
+          <a:xfrm>
+            <a:off x="2592924" y="624110"/>
+            <a:ext cx="8911687" cy="668096"/>
+          </a:xfrm>
+        </p:spPr>
+        <p:txBody>
+          <a:bodyPr/>
+          <a:lstStyle/>
+          <a:p>
+            <a:r>
+              <a:rPr lang="fr-FR" dirty="0"/>
+              <a:t>1.9 – Organisation de la séquence</a:t>
+            </a:r>
+          </a:p>
+        </p:txBody>
+      </p:sp>
+      <p:sp>
+        <p:nvSpPr>
+          <p:cNvPr id="3" name="Espace réservé du numéro de diapositive 2"/>
+          <p:cNvSpPr>
+            <a:spLocks noGrp="1"/>
+          </p:cNvSpPr>
+          <p:nvPr>
+            <p:ph type="sldNum" sz="quarter" idx="12"/>
+          </p:nvPr>
+        </p:nvSpPr>
+        <p:spPr/>
+        <p:txBody>
+          <a:bodyPr/>
+          <a:lstStyle/>
+          <a:p>
+            <a:fld id="{D57F1E4F-1CFF-5643-939E-217C01CDF565}" type="slidenum">
+              <a:rPr lang="en-US" smtClean="0"/>
+              <a:pPr/>
+              <a:t>14</a:t>
+            </a:fld>
+            <a:endParaRPr lang="en-US" dirty="0"/>
+          </a:p>
+        </p:txBody>
+      </p:sp>
+      <p:sp>
+        <p:nvSpPr>
+          <p:cNvPr id="18" name="ZoneTexte 17"/>
+          <p:cNvSpPr txBox="1"/>
+          <p:nvPr/>
+        </p:nvSpPr>
+        <p:spPr>
+          <a:xfrm>
+            <a:off x="2558299" y="1263018"/>
+            <a:ext cx="5152373" cy="923330"/>
+          </a:xfrm>
+          <a:prstGeom prst="rect">
+            <a:avLst/>
+          </a:prstGeom>
+          <a:noFill/>
+        </p:spPr>
+        <p:txBody>
+          <a:bodyPr wrap="none" rtlCol="0">
+            <a:spAutoFit/>
+          </a:bodyPr>
+          <a:lstStyle/>
+          <a:p>
+            <a:r>
+              <a:rPr lang="fr-FR" b="1" u="sng" dirty="0"/>
+              <a:t>Ex </a:t>
+            </a:r>
+            <a:r>
+              <a:rPr lang="fr-FR" b="1" u="sng" dirty="0" err="1"/>
+              <a:t>Tle</a:t>
+            </a:r>
+            <a:r>
+              <a:rPr lang="fr-FR" b="1" u="sng" dirty="0"/>
+              <a:t> STI2D </a:t>
+            </a:r>
+            <a:r>
+              <a:rPr lang="fr-FR" b="1" dirty="0"/>
+              <a:t>: 212D TC = 2 x 2h 2I2D E.S=2 x 4h</a:t>
+            </a:r>
+          </a:p>
+          <a:p>
+            <a:r>
+              <a:rPr lang="fr-FR" b="1" dirty="0"/>
+              <a:t>T.C. en Classe entière</a:t>
+            </a:r>
+          </a:p>
+          <a:p>
+            <a:r>
+              <a:rPr lang="fr-FR" b="1" dirty="0"/>
+              <a:t>E.S. en demi-effectifs</a:t>
+            </a:r>
+          </a:p>
+        </p:txBody>
+      </p:sp>
+      <p:sp>
+        <p:nvSpPr>
+          <p:cNvPr id="22" name="Rectangle à coins arrondis 21"/>
+          <p:cNvSpPr/>
+          <p:nvPr/>
+        </p:nvSpPr>
+        <p:spPr>
+          <a:xfrm>
+            <a:off x="2592924" y="3419570"/>
+            <a:ext cx="1336010" cy="689907"/>
+          </a:xfrm>
+          <a:prstGeom prst="roundRect">
+            <a:avLst/>
+          </a:prstGeom>
+        </p:spPr>
+        <p:style>
+          <a:lnRef idx="2">
+            <a:schemeClr val="accent1">
+              <a:shade val="50000"/>
+            </a:schemeClr>
+          </a:lnRef>
+          <a:fillRef idx="1">
+            <a:schemeClr val="accent1"/>
+          </a:fillRef>
+          <a:effectRef idx="0">
+            <a:schemeClr val="accent1"/>
+          </a:effectRef>
+          <a:fontRef idx="minor">
+            <a:schemeClr val="lt1"/>
+          </a:fontRef>
+        </p:style>
+        <p:txBody>
+          <a:bodyPr rtlCol="0" anchor="ctr"/>
+          <a:lstStyle/>
+          <a:p>
+            <a:pPr algn="ctr"/>
+            <a:r>
+              <a:rPr lang="fr-FR" b="1" dirty="0"/>
+              <a:t>Cours (2h)</a:t>
+            </a:r>
+          </a:p>
+        </p:txBody>
+      </p:sp>
+      <p:sp>
+        <p:nvSpPr>
+          <p:cNvPr id="23" name="Rectangle à coins arrondis 22"/>
+          <p:cNvSpPr/>
+          <p:nvPr/>
+        </p:nvSpPr>
+        <p:spPr>
+          <a:xfrm>
+            <a:off x="4196318" y="3419570"/>
+            <a:ext cx="1336010" cy="1505111"/>
+          </a:xfrm>
+          <a:prstGeom prst="roundRect">
+            <a:avLst/>
+          </a:prstGeom>
+          <a:solidFill>
+            <a:schemeClr val="accent1">
+              <a:alpha val="37000"/>
+            </a:schemeClr>
+          </a:solidFill>
+        </p:spPr>
+        <p:style>
+          <a:lnRef idx="2">
+            <a:schemeClr val="accent1">
+              <a:shade val="50000"/>
+            </a:schemeClr>
+          </a:lnRef>
+          <a:fillRef idx="1">
+            <a:schemeClr val="accent1"/>
+          </a:fillRef>
+          <a:effectRef idx="0">
+            <a:schemeClr val="accent1"/>
+          </a:effectRef>
+          <a:fontRef idx="minor">
+            <a:schemeClr val="lt1"/>
+          </a:fontRef>
+        </p:style>
+        <p:txBody>
+          <a:bodyPr rtlCol="0" anchor="ctr"/>
+          <a:lstStyle/>
+          <a:p>
+            <a:pPr algn="ctr"/>
+            <a:r>
+              <a:rPr lang="fr-FR" b="1" dirty="0"/>
+              <a:t>TP (4h00)</a:t>
+            </a:r>
+          </a:p>
+        </p:txBody>
+      </p:sp>
+      <p:sp>
+        <p:nvSpPr>
+          <p:cNvPr id="24" name="Rectangle à coins arrondis 23"/>
+          <p:cNvSpPr/>
+          <p:nvPr/>
+        </p:nvSpPr>
+        <p:spPr>
+          <a:xfrm>
+            <a:off x="5799712" y="3419569"/>
+            <a:ext cx="1336010" cy="689908"/>
+          </a:xfrm>
+          <a:prstGeom prst="roundRect">
+            <a:avLst/>
+          </a:prstGeom>
+        </p:spPr>
+        <p:style>
+          <a:lnRef idx="2">
+            <a:schemeClr val="accent1">
+              <a:shade val="50000"/>
+            </a:schemeClr>
+          </a:lnRef>
+          <a:fillRef idx="1">
+            <a:schemeClr val="accent1"/>
+          </a:fillRef>
+          <a:effectRef idx="0">
+            <a:schemeClr val="accent1"/>
+          </a:effectRef>
+          <a:fontRef idx="minor">
+            <a:schemeClr val="lt1"/>
+          </a:fontRef>
+        </p:style>
+        <p:txBody>
+          <a:bodyPr rtlCol="0" anchor="ctr"/>
+          <a:lstStyle/>
+          <a:p>
+            <a:pPr algn="ctr"/>
+            <a:r>
+              <a:rPr lang="fr-FR" b="1" dirty="0"/>
+              <a:t>Cours (2h)</a:t>
+            </a:r>
+          </a:p>
+        </p:txBody>
+      </p:sp>
+      <p:sp>
+        <p:nvSpPr>
+          <p:cNvPr id="26" name="Rectangle à coins arrondis 25"/>
+          <p:cNvSpPr/>
+          <p:nvPr/>
+        </p:nvSpPr>
+        <p:spPr>
+          <a:xfrm>
+            <a:off x="7343788" y="3419571"/>
+            <a:ext cx="1336010" cy="1505110"/>
+          </a:xfrm>
+          <a:prstGeom prst="roundRect">
+            <a:avLst/>
+          </a:prstGeom>
+          <a:solidFill>
+            <a:schemeClr val="accent1">
+              <a:alpha val="37000"/>
+            </a:schemeClr>
+          </a:solidFill>
+        </p:spPr>
+        <p:style>
+          <a:lnRef idx="2">
+            <a:schemeClr val="accent1">
+              <a:shade val="50000"/>
+            </a:schemeClr>
+          </a:lnRef>
+          <a:fillRef idx="1">
+            <a:schemeClr val="accent1"/>
+          </a:fillRef>
+          <a:effectRef idx="0">
+            <a:schemeClr val="accent1"/>
+          </a:effectRef>
+          <a:fontRef idx="minor">
+            <a:schemeClr val="lt1"/>
+          </a:fontRef>
+        </p:style>
+        <p:txBody>
+          <a:bodyPr rtlCol="0" anchor="ctr"/>
+          <a:lstStyle/>
+          <a:p>
+            <a:pPr algn="ctr"/>
+            <a:r>
+              <a:rPr lang="fr-FR" b="1" dirty="0"/>
+              <a:t>TP (4h00)</a:t>
+            </a:r>
+          </a:p>
+        </p:txBody>
+      </p:sp>
+      <p:sp>
+        <p:nvSpPr>
+          <p:cNvPr id="28" name="Rectangle 27"/>
+          <p:cNvSpPr/>
+          <p:nvPr/>
+        </p:nvSpPr>
+        <p:spPr>
+          <a:xfrm>
+            <a:off x="2592924" y="2556960"/>
+            <a:ext cx="1336010" cy="268297"/>
+          </a:xfrm>
+          <a:prstGeom prst="rect">
+            <a:avLst/>
+          </a:prstGeom>
+          <a:solidFill>
+            <a:srgbClr val="C00000"/>
+          </a:solidFill>
+        </p:spPr>
+        <p:style>
+          <a:lnRef idx="2">
+            <a:schemeClr val="accent2">
+              <a:shade val="50000"/>
+            </a:schemeClr>
+          </a:lnRef>
+          <a:fillRef idx="1">
+            <a:schemeClr val="accent2"/>
+          </a:fillRef>
+          <a:effectRef idx="0">
+            <a:schemeClr val="accent2"/>
+          </a:effectRef>
+          <a:fontRef idx="minor">
+            <a:schemeClr val="lt1"/>
+          </a:fontRef>
+        </p:style>
+        <p:txBody>
+          <a:bodyPr rtlCol="0" anchor="ctr"/>
+          <a:lstStyle/>
+          <a:p>
+            <a:pPr algn="ctr"/>
+            <a:r>
+              <a:rPr lang="fr-FR" dirty="0"/>
+              <a:t>Lundi</a:t>
+            </a:r>
+          </a:p>
+        </p:txBody>
+      </p:sp>
+      <p:sp>
+        <p:nvSpPr>
+          <p:cNvPr id="29" name="Rectangle 28"/>
+          <p:cNvSpPr/>
+          <p:nvPr/>
+        </p:nvSpPr>
+        <p:spPr>
+          <a:xfrm>
+            <a:off x="4196318" y="2556959"/>
+            <a:ext cx="1336010" cy="268297"/>
+          </a:xfrm>
+          <a:prstGeom prst="rect">
+            <a:avLst/>
+          </a:prstGeom>
+          <a:solidFill>
+            <a:srgbClr val="C00000"/>
+          </a:solidFill>
+        </p:spPr>
+        <p:style>
+          <a:lnRef idx="2">
+            <a:schemeClr val="accent2">
+              <a:shade val="50000"/>
+            </a:schemeClr>
+          </a:lnRef>
+          <a:fillRef idx="1">
+            <a:schemeClr val="accent2"/>
+          </a:fillRef>
+          <a:effectRef idx="0">
+            <a:schemeClr val="accent2"/>
+          </a:effectRef>
+          <a:fontRef idx="minor">
+            <a:schemeClr val="lt1"/>
+          </a:fontRef>
+        </p:style>
+        <p:txBody>
+          <a:bodyPr rtlCol="0" anchor="ctr"/>
+          <a:lstStyle/>
+          <a:p>
+            <a:pPr algn="ctr"/>
+            <a:r>
+              <a:rPr lang="fr-FR" dirty="0"/>
+              <a:t>Mardi</a:t>
+            </a:r>
+          </a:p>
+        </p:txBody>
+      </p:sp>
+      <p:sp>
+        <p:nvSpPr>
+          <p:cNvPr id="30" name="Rectangle 29"/>
+          <p:cNvSpPr/>
+          <p:nvPr/>
+        </p:nvSpPr>
+        <p:spPr>
+          <a:xfrm>
+            <a:off x="5799712" y="2556959"/>
+            <a:ext cx="1336010" cy="268297"/>
+          </a:xfrm>
+          <a:prstGeom prst="rect">
+            <a:avLst/>
+          </a:prstGeom>
+          <a:solidFill>
+            <a:srgbClr val="C00000"/>
+          </a:solidFill>
+        </p:spPr>
+        <p:style>
+          <a:lnRef idx="2">
+            <a:schemeClr val="accent2">
+              <a:shade val="50000"/>
+            </a:schemeClr>
+          </a:lnRef>
+          <a:fillRef idx="1">
+            <a:schemeClr val="accent2"/>
+          </a:fillRef>
+          <a:effectRef idx="0">
+            <a:schemeClr val="accent2"/>
+          </a:effectRef>
+          <a:fontRef idx="minor">
+            <a:schemeClr val="lt1"/>
+          </a:fontRef>
+        </p:style>
+        <p:txBody>
+          <a:bodyPr rtlCol="0" anchor="ctr"/>
+          <a:lstStyle/>
+          <a:p>
+            <a:pPr algn="ctr"/>
+            <a:r>
+              <a:rPr lang="fr-FR" dirty="0"/>
+              <a:t>Mercredi</a:t>
+            </a:r>
+          </a:p>
+        </p:txBody>
+      </p:sp>
+      <p:sp>
+        <p:nvSpPr>
+          <p:cNvPr id="31" name="Rectangle 30"/>
+          <p:cNvSpPr/>
+          <p:nvPr/>
+        </p:nvSpPr>
+        <p:spPr>
+          <a:xfrm>
+            <a:off x="7403106" y="2556959"/>
+            <a:ext cx="1336010" cy="268297"/>
+          </a:xfrm>
+          <a:prstGeom prst="rect">
+            <a:avLst/>
+          </a:prstGeom>
+          <a:solidFill>
+            <a:srgbClr val="C00000"/>
+          </a:solidFill>
+        </p:spPr>
+        <p:style>
+          <a:lnRef idx="2">
+            <a:schemeClr val="accent2">
+              <a:shade val="50000"/>
+            </a:schemeClr>
+          </a:lnRef>
+          <a:fillRef idx="1">
+            <a:schemeClr val="accent2"/>
+          </a:fillRef>
+          <a:effectRef idx="0">
+            <a:schemeClr val="accent2"/>
+          </a:effectRef>
+          <a:fontRef idx="minor">
+            <a:schemeClr val="lt1"/>
+          </a:fontRef>
+        </p:style>
+        <p:txBody>
+          <a:bodyPr rtlCol="0" anchor="ctr"/>
+          <a:lstStyle/>
+          <a:p>
+            <a:pPr algn="ctr"/>
+            <a:r>
+              <a:rPr lang="fr-FR" dirty="0"/>
+              <a:t>Jeudi</a:t>
+            </a:r>
+          </a:p>
+        </p:txBody>
+      </p:sp>
+      <p:sp>
+        <p:nvSpPr>
+          <p:cNvPr id="32" name="Rectangle 31"/>
+          <p:cNvSpPr/>
+          <p:nvPr/>
+        </p:nvSpPr>
+        <p:spPr>
+          <a:xfrm>
+            <a:off x="9006500" y="2556959"/>
+            <a:ext cx="1336010" cy="268297"/>
+          </a:xfrm>
+          <a:prstGeom prst="rect">
+            <a:avLst/>
+          </a:prstGeom>
+          <a:solidFill>
+            <a:srgbClr val="C00000"/>
+          </a:solidFill>
+        </p:spPr>
+        <p:style>
+          <a:lnRef idx="2">
+            <a:schemeClr val="accent2">
+              <a:shade val="50000"/>
+            </a:schemeClr>
+          </a:lnRef>
+          <a:fillRef idx="1">
+            <a:schemeClr val="accent2"/>
+          </a:fillRef>
+          <a:effectRef idx="0">
+            <a:schemeClr val="accent2"/>
+          </a:effectRef>
+          <a:fontRef idx="minor">
+            <a:schemeClr val="lt1"/>
+          </a:fontRef>
+        </p:style>
+        <p:txBody>
+          <a:bodyPr rtlCol="0" anchor="ctr"/>
+          <a:lstStyle/>
+          <a:p>
+            <a:pPr algn="ctr"/>
+            <a:r>
+              <a:rPr lang="fr-FR" dirty="0"/>
+              <a:t>Vendredi</a:t>
+            </a:r>
+          </a:p>
+        </p:txBody>
+      </p:sp>
+    </p:spTree>
+    <p:extLst>
+      <p:ext uri="{BB962C8B-B14F-4D97-AF65-F5344CB8AC3E}">
+        <p14:creationId xmlns:p14="http://schemas.microsoft.com/office/powerpoint/2010/main" val="3673094783"/>
+      </p:ext>
+    </p:extLst>
+  </p:cSld>
+  <p:clrMapOvr>
+    <a:masterClrMapping/>
+  </p:clrMapOvr>
+</p:sld>
+</file>
+
 <file path=ppt/slides/slide15.xml><?xml version="1.0" encoding="utf-8"?>
 <p:sld xmlns:a="http://schemas.openxmlformats.org/drawingml/2006/main" xmlns:r="http://schemas.openxmlformats.org/officeDocument/2006/relationships" xmlns:p="http://schemas.openxmlformats.org/presentationml/2006/main">
   <p:cSld>
@@ -10362,7 +10767,7 @@
           <a:p>
             <a:r>
               <a:rPr lang="fr-FR" dirty="0"/>
-              <a:t>2.9 – Organisation de la séquence</a:t>
+              <a:t>1.10 – Supports d’apprentissage</a:t>
             </a:r>
           </a:p>
         </p:txBody>
@@ -10393,14 +10798,14 @@
       </p:sp>
       <p:sp>
         <p:nvSpPr>
-          <p:cNvPr id="18" name="ZoneTexte 17"/>
+          <p:cNvPr id="5" name="ZoneTexte 4"/>
           <p:cNvSpPr txBox="1"/>
           <p:nvPr/>
         </p:nvSpPr>
         <p:spPr>
           <a:xfrm>
-            <a:off x="2558299" y="1263018"/>
-            <a:ext cx="5152373" cy="923330"/>
+            <a:off x="2928133" y="2684111"/>
+            <a:ext cx="8577989" cy="1200329"/>
           </a:xfrm>
           <a:prstGeom prst="rect">
             <a:avLst/>
@@ -10414,452 +10819,31 @@
           <a:lstStyle/>
           <a:p>
             <a:r>
-              <a:rPr lang="fr-FR" b="1" u="sng" dirty="0"/>
-              <a:t>Ex </a:t>
-            </a:r>
-            <a:r>
-              <a:rPr lang="fr-FR" b="1" u="sng" dirty="0" err="1"/>
-              <a:t>Tle</a:t>
-            </a:r>
-            <a:r>
-              <a:rPr lang="fr-FR" b="1" u="sng" dirty="0"/>
-              <a:t> STI2D </a:t>
-            </a:r>
-            <a:r>
-              <a:rPr lang="fr-FR" b="1" dirty="0"/>
-              <a:t>: 212D TC = 2 x 2h 2I2D E.S=2 x 4h</a:t>
-            </a:r>
-          </a:p>
-          <a:p>
-            <a:r>
-              <a:rPr lang="fr-FR" b="1" dirty="0"/>
-              <a:t>T.C. en Classe entière</a:t>
-            </a:r>
-          </a:p>
-          <a:p>
-            <a:r>
-              <a:rPr lang="fr-FR" b="1" dirty="0"/>
-              <a:t>E.S. en demi-effectifs</a:t>
-            </a:r>
-          </a:p>
-        </p:txBody>
-      </p:sp>
-      <p:sp>
-        <p:nvSpPr>
-          <p:cNvPr id="22" name="Rectangle à coins arrondis 21"/>
-          <p:cNvSpPr/>
-          <p:nvPr/>
-        </p:nvSpPr>
-        <p:spPr>
-          <a:xfrm>
-            <a:off x="2592924" y="3419570"/>
-            <a:ext cx="1336010" cy="689907"/>
-          </a:xfrm>
-          <a:prstGeom prst="roundRect">
-            <a:avLst/>
-          </a:prstGeom>
-        </p:spPr>
-        <p:style>
-          <a:lnRef idx="2">
-            <a:schemeClr val="accent1">
-              <a:shade val="50000"/>
-            </a:schemeClr>
-          </a:lnRef>
-          <a:fillRef idx="1">
-            <a:schemeClr val="accent1"/>
-          </a:fillRef>
-          <a:effectRef idx="0">
-            <a:schemeClr val="accent1"/>
-          </a:effectRef>
-          <a:fontRef idx="minor">
-            <a:schemeClr val="lt1"/>
-          </a:fontRef>
-        </p:style>
-        <p:txBody>
-          <a:bodyPr rtlCol="0" anchor="ctr"/>
-          <a:lstStyle/>
-          <a:p>
-            <a:pPr algn="ctr"/>
-            <a:r>
-              <a:rPr lang="fr-FR" b="1" dirty="0"/>
-              <a:t>Cours (2h)</a:t>
-            </a:r>
-          </a:p>
-        </p:txBody>
-      </p:sp>
-      <p:sp>
-        <p:nvSpPr>
-          <p:cNvPr id="23" name="Rectangle à coins arrondis 22"/>
-          <p:cNvSpPr/>
-          <p:nvPr/>
-        </p:nvSpPr>
-        <p:spPr>
-          <a:xfrm>
-            <a:off x="4196318" y="3419570"/>
-            <a:ext cx="1336010" cy="1505111"/>
-          </a:xfrm>
-          <a:prstGeom prst="roundRect">
-            <a:avLst/>
-          </a:prstGeom>
-          <a:solidFill>
-            <a:schemeClr val="accent1">
-              <a:alpha val="37000"/>
-            </a:schemeClr>
-          </a:solidFill>
-        </p:spPr>
-        <p:style>
-          <a:lnRef idx="2">
-            <a:schemeClr val="accent1">
-              <a:shade val="50000"/>
-            </a:schemeClr>
-          </a:lnRef>
-          <a:fillRef idx="1">
-            <a:schemeClr val="accent1"/>
-          </a:fillRef>
-          <a:effectRef idx="0">
-            <a:schemeClr val="accent1"/>
-          </a:effectRef>
-          <a:fontRef idx="minor">
-            <a:schemeClr val="lt1"/>
-          </a:fontRef>
-        </p:style>
-        <p:txBody>
-          <a:bodyPr rtlCol="0" anchor="ctr"/>
-          <a:lstStyle/>
-          <a:p>
-            <a:pPr algn="ctr"/>
-            <a:r>
-              <a:rPr lang="fr-FR" b="1" dirty="0"/>
-              <a:t>TP (4h00)</a:t>
-            </a:r>
-          </a:p>
-        </p:txBody>
-      </p:sp>
-      <p:sp>
-        <p:nvSpPr>
-          <p:cNvPr id="24" name="Rectangle à coins arrondis 23"/>
-          <p:cNvSpPr/>
-          <p:nvPr/>
-        </p:nvSpPr>
-        <p:spPr>
-          <a:xfrm>
-            <a:off x="5799712" y="3419569"/>
-            <a:ext cx="1336010" cy="689908"/>
-          </a:xfrm>
-          <a:prstGeom prst="roundRect">
-            <a:avLst/>
-          </a:prstGeom>
-        </p:spPr>
-        <p:style>
-          <a:lnRef idx="2">
-            <a:schemeClr val="accent1">
-              <a:shade val="50000"/>
-            </a:schemeClr>
-          </a:lnRef>
-          <a:fillRef idx="1">
-            <a:schemeClr val="accent1"/>
-          </a:fillRef>
-          <a:effectRef idx="0">
-            <a:schemeClr val="accent1"/>
-          </a:effectRef>
-          <a:fontRef idx="minor">
-            <a:schemeClr val="lt1"/>
-          </a:fontRef>
-        </p:style>
-        <p:txBody>
-          <a:bodyPr rtlCol="0" anchor="ctr"/>
-          <a:lstStyle/>
-          <a:p>
-            <a:pPr algn="ctr"/>
-            <a:r>
-              <a:rPr lang="fr-FR" b="1" dirty="0"/>
-              <a:t>Cours (2h)</a:t>
-            </a:r>
-          </a:p>
-        </p:txBody>
-      </p:sp>
-      <p:sp>
-        <p:nvSpPr>
-          <p:cNvPr id="26" name="Rectangle à coins arrondis 25"/>
-          <p:cNvSpPr/>
-          <p:nvPr/>
-        </p:nvSpPr>
-        <p:spPr>
-          <a:xfrm>
-            <a:off x="7343788" y="3419571"/>
-            <a:ext cx="1336010" cy="1505110"/>
-          </a:xfrm>
-          <a:prstGeom prst="roundRect">
-            <a:avLst/>
-          </a:prstGeom>
-          <a:solidFill>
-            <a:schemeClr val="accent1">
-              <a:alpha val="37000"/>
-            </a:schemeClr>
-          </a:solidFill>
-        </p:spPr>
-        <p:style>
-          <a:lnRef idx="2">
-            <a:schemeClr val="accent1">
-              <a:shade val="50000"/>
-            </a:schemeClr>
-          </a:lnRef>
-          <a:fillRef idx="1">
-            <a:schemeClr val="accent1"/>
-          </a:fillRef>
-          <a:effectRef idx="0">
-            <a:schemeClr val="accent1"/>
-          </a:effectRef>
-          <a:fontRef idx="minor">
-            <a:schemeClr val="lt1"/>
-          </a:fontRef>
-        </p:style>
-        <p:txBody>
-          <a:bodyPr rtlCol="0" anchor="ctr"/>
-          <a:lstStyle/>
-          <a:p>
-            <a:pPr algn="ctr"/>
-            <a:r>
-              <a:rPr lang="fr-FR" b="1" dirty="0"/>
-              <a:t>TP (4h00)</a:t>
-            </a:r>
-          </a:p>
-        </p:txBody>
-      </p:sp>
-      <p:sp>
-        <p:nvSpPr>
-          <p:cNvPr id="28" name="Rectangle 27"/>
-          <p:cNvSpPr/>
-          <p:nvPr/>
-        </p:nvSpPr>
-        <p:spPr>
-          <a:xfrm>
-            <a:off x="2592924" y="2556960"/>
-            <a:ext cx="1336010" cy="268297"/>
-          </a:xfrm>
-          <a:prstGeom prst="rect">
-            <a:avLst/>
-          </a:prstGeom>
-          <a:solidFill>
-            <a:srgbClr val="C00000"/>
-          </a:solidFill>
-        </p:spPr>
-        <p:style>
-          <a:lnRef idx="2">
-            <a:schemeClr val="accent2">
-              <a:shade val="50000"/>
-            </a:schemeClr>
-          </a:lnRef>
-          <a:fillRef idx="1">
-            <a:schemeClr val="accent2"/>
-          </a:fillRef>
-          <a:effectRef idx="0">
-            <a:schemeClr val="accent2"/>
-          </a:effectRef>
-          <a:fontRef idx="minor">
-            <a:schemeClr val="lt1"/>
-          </a:fontRef>
-        </p:style>
-        <p:txBody>
-          <a:bodyPr rtlCol="0" anchor="ctr"/>
-          <a:lstStyle/>
-          <a:p>
-            <a:pPr algn="ctr"/>
-            <a:r>
-              <a:rPr lang="fr-FR" dirty="0"/>
-              <a:t>Lundi</a:t>
-            </a:r>
-          </a:p>
-        </p:txBody>
-      </p:sp>
-      <p:sp>
-        <p:nvSpPr>
-          <p:cNvPr id="29" name="Rectangle 28"/>
-          <p:cNvSpPr/>
-          <p:nvPr/>
-        </p:nvSpPr>
-        <p:spPr>
-          <a:xfrm>
-            <a:off x="4196318" y="2556959"/>
-            <a:ext cx="1336010" cy="268297"/>
-          </a:xfrm>
-          <a:prstGeom prst="rect">
-            <a:avLst/>
-          </a:prstGeom>
-          <a:solidFill>
-            <a:srgbClr val="C00000"/>
-          </a:solidFill>
-        </p:spPr>
-        <p:style>
-          <a:lnRef idx="2">
-            <a:schemeClr val="accent2">
-              <a:shade val="50000"/>
-            </a:schemeClr>
-          </a:lnRef>
-          <a:fillRef idx="1">
-            <a:schemeClr val="accent2"/>
-          </a:fillRef>
-          <a:effectRef idx="0">
-            <a:schemeClr val="accent2"/>
-          </a:effectRef>
-          <a:fontRef idx="minor">
-            <a:schemeClr val="lt1"/>
-          </a:fontRef>
-        </p:style>
-        <p:txBody>
-          <a:bodyPr rtlCol="0" anchor="ctr"/>
-          <a:lstStyle/>
-          <a:p>
-            <a:pPr algn="ctr"/>
-            <a:r>
-              <a:rPr lang="fr-FR" dirty="0"/>
-              <a:t>Mardi</a:t>
-            </a:r>
-          </a:p>
-        </p:txBody>
-      </p:sp>
-      <p:sp>
-        <p:nvSpPr>
-          <p:cNvPr id="30" name="Rectangle 29"/>
-          <p:cNvSpPr/>
-          <p:nvPr/>
-        </p:nvSpPr>
-        <p:spPr>
-          <a:xfrm>
-            <a:off x="5799712" y="2556959"/>
-            <a:ext cx="1336010" cy="268297"/>
-          </a:xfrm>
-          <a:prstGeom prst="rect">
-            <a:avLst/>
-          </a:prstGeom>
-          <a:solidFill>
-            <a:srgbClr val="C00000"/>
-          </a:solidFill>
-        </p:spPr>
-        <p:style>
-          <a:lnRef idx="2">
-            <a:schemeClr val="accent2">
-              <a:shade val="50000"/>
-            </a:schemeClr>
-          </a:lnRef>
-          <a:fillRef idx="1">
-            <a:schemeClr val="accent2"/>
-          </a:fillRef>
-          <a:effectRef idx="0">
-            <a:schemeClr val="accent2"/>
-          </a:effectRef>
-          <a:fontRef idx="minor">
-            <a:schemeClr val="lt1"/>
-          </a:fontRef>
-        </p:style>
-        <p:txBody>
-          <a:bodyPr rtlCol="0" anchor="ctr"/>
-          <a:lstStyle/>
-          <a:p>
-            <a:pPr algn="ctr"/>
-            <a:r>
-              <a:rPr lang="fr-FR" dirty="0"/>
-              <a:t>Mercredi</a:t>
-            </a:r>
-          </a:p>
-        </p:txBody>
-      </p:sp>
-      <p:sp>
-        <p:nvSpPr>
-          <p:cNvPr id="31" name="Rectangle 30"/>
-          <p:cNvSpPr/>
-          <p:nvPr/>
-        </p:nvSpPr>
-        <p:spPr>
-          <a:xfrm>
-            <a:off x="7403106" y="2556959"/>
-            <a:ext cx="1336010" cy="268297"/>
-          </a:xfrm>
-          <a:prstGeom prst="rect">
-            <a:avLst/>
-          </a:prstGeom>
-          <a:solidFill>
-            <a:srgbClr val="C00000"/>
-          </a:solidFill>
-        </p:spPr>
-        <p:style>
-          <a:lnRef idx="2">
-            <a:schemeClr val="accent2">
-              <a:shade val="50000"/>
-            </a:schemeClr>
-          </a:lnRef>
-          <a:fillRef idx="1">
-            <a:schemeClr val="accent2"/>
-          </a:fillRef>
-          <a:effectRef idx="0">
-            <a:schemeClr val="accent2"/>
-          </a:effectRef>
-          <a:fontRef idx="minor">
-            <a:schemeClr val="lt1"/>
-          </a:fontRef>
-        </p:style>
-        <p:txBody>
-          <a:bodyPr rtlCol="0" anchor="ctr"/>
-          <a:lstStyle/>
-          <a:p>
-            <a:pPr algn="ctr"/>
-            <a:r>
-              <a:rPr lang="fr-FR" dirty="0"/>
-              <a:t>Jeudi</a:t>
-            </a:r>
-          </a:p>
-        </p:txBody>
-      </p:sp>
-      <p:sp>
-        <p:nvSpPr>
-          <p:cNvPr id="32" name="Rectangle 31"/>
-          <p:cNvSpPr/>
-          <p:nvPr/>
-        </p:nvSpPr>
-        <p:spPr>
-          <a:xfrm>
-            <a:off x="9006500" y="2556959"/>
-            <a:ext cx="1336010" cy="268297"/>
-          </a:xfrm>
-          <a:prstGeom prst="rect">
-            <a:avLst/>
-          </a:prstGeom>
-          <a:solidFill>
-            <a:srgbClr val="C00000"/>
-          </a:solidFill>
-        </p:spPr>
-        <p:style>
-          <a:lnRef idx="2">
-            <a:schemeClr val="accent2">
-              <a:shade val="50000"/>
-            </a:schemeClr>
-          </a:lnRef>
-          <a:fillRef idx="1">
-            <a:schemeClr val="accent2"/>
-          </a:fillRef>
-          <a:effectRef idx="0">
-            <a:schemeClr val="accent2"/>
-          </a:effectRef>
-          <a:fontRef idx="minor">
-            <a:schemeClr val="lt1"/>
-          </a:fontRef>
-        </p:style>
-        <p:txBody>
-          <a:bodyPr rtlCol="0" anchor="ctr"/>
-          <a:lstStyle/>
-          <a:p>
-            <a:pPr algn="ctr"/>
-            <a:r>
-              <a:rPr lang="fr-FR" dirty="0"/>
-              <a:t>Vendredi</a:t>
-            </a:r>
+              <a:rPr lang="fr-FR" dirty="0"/>
+              <a:t>Attention au nombre de support dispo</a:t>
+            </a:r>
+          </a:p>
+          <a:p>
+            <a:r>
+              <a:rPr lang="fr-FR" dirty="0"/>
+              <a:t>(plusieurs supports peuvent conduire aux même apport de connaissance , </a:t>
+            </a:r>
+          </a:p>
+          <a:p>
+            <a:r>
+              <a:rPr lang="fr-FR" dirty="0"/>
+              <a:t>développement de compétences</a:t>
+            </a:r>
+          </a:p>
+          <a:p>
+            <a:endParaRPr lang="fr-FR" dirty="0"/>
           </a:p>
         </p:txBody>
       </p:sp>
     </p:spTree>
     <p:extLst>
       <p:ext uri="{BB962C8B-B14F-4D97-AF65-F5344CB8AC3E}">
-        <p14:creationId xmlns:p14="http://schemas.microsoft.com/office/powerpoint/2010/main" val="3673094783"/>
+        <p14:creationId xmlns:p14="http://schemas.microsoft.com/office/powerpoint/2010/main" val="970161856"/>
       </p:ext>
     </p:extLst>
   </p:cSld>
@@ -10896,20 +10880,20 @@
             <p:ph type="title"/>
           </p:nvPr>
         </p:nvSpPr>
-        <p:spPr>
-          <a:xfrm>
-            <a:off x="2592924" y="624110"/>
-            <a:ext cx="8911687" cy="668096"/>
-          </a:xfrm>
-        </p:spPr>
+        <p:spPr/>
         <p:txBody>
           <a:bodyPr/>
           <a:lstStyle/>
           <a:p>
             <a:r>
               <a:rPr lang="fr-FR" dirty="0"/>
-              <a:t>2.10 – Supports d’apprentissage</a:t>
-            </a:r>
+              <a:t>2 – Pertinence </a:t>
+            </a:r>
+            <a:r>
+              <a:rPr lang="fr-FR"/>
+              <a:t>du support pédagogique</a:t>
+            </a:r>
+            <a:endParaRPr lang="fr-FR" dirty="0"/>
           </a:p>
         </p:txBody>
       </p:sp>
@@ -10945,8 +10929,8 @@
         </p:nvSpPr>
         <p:spPr>
           <a:xfrm>
-            <a:off x="2928133" y="2684111"/>
-            <a:ext cx="8577989" cy="1200329"/>
+            <a:off x="3202033" y="2613799"/>
+            <a:ext cx="5389617" cy="1200329"/>
           </a:xfrm>
           <a:prstGeom prst="rect">
             <a:avLst/>
@@ -10961,19 +10945,19 @@
           <a:p>
             <a:r>
               <a:rPr lang="fr-FR" dirty="0"/>
-              <a:t>Attention au nombre de support dispo</a:t>
-            </a:r>
-          </a:p>
-          <a:p>
-            <a:r>
-              <a:rPr lang="fr-FR" dirty="0"/>
-              <a:t>(plusieurs supports peuvent conduire aux même apport de connaissance , </a:t>
-            </a:r>
-          </a:p>
-          <a:p>
-            <a:r>
-              <a:rPr lang="fr-FR" dirty="0"/>
-              <a:t>développement de compétences</a:t>
+              <a:t>Photo du système</a:t>
+            </a:r>
+          </a:p>
+          <a:p>
+            <a:r>
+              <a:rPr lang="fr-FR" dirty="0"/>
+              <a:t>Principaux éléments du système</a:t>
+            </a:r>
+          </a:p>
+          <a:p>
+            <a:r>
+              <a:rPr lang="fr-FR" dirty="0"/>
+              <a:t>Principales expérimentations , thèmes abordés</a:t>
             </a:r>
           </a:p>
           <a:p>
@@ -10984,7 +10968,7 @@
     </p:spTree>
     <p:extLst>
       <p:ext uri="{BB962C8B-B14F-4D97-AF65-F5344CB8AC3E}">
-        <p14:creationId xmlns:p14="http://schemas.microsoft.com/office/powerpoint/2010/main" val="970161856"/>
+        <p14:creationId xmlns:p14="http://schemas.microsoft.com/office/powerpoint/2010/main" val="918970685"/>
       </p:ext>
     </p:extLst>
   </p:cSld>
@@ -11449,7 +11433,7 @@
         </p:nvSpPr>
         <p:spPr>
           <a:xfrm>
-            <a:off x="3047999" y="1238250"/>
+            <a:off x="3291280" y="1892592"/>
             <a:ext cx="6486525" cy="2585323"/>
           </a:xfrm>
           <a:prstGeom prst="rect">
@@ -11474,7 +11458,7 @@
           <a:p>
             <a:r>
               <a:rPr lang="fr-FR" dirty="0"/>
-              <a:t>1 - Description du contexte pédagogique</a:t>
+              <a:t>1 – Réflexion pédagogique sur la séquence</a:t>
             </a:r>
           </a:p>
           <a:p>
@@ -11483,7 +11467,7 @@
           <a:p>
             <a:r>
               <a:rPr lang="fr-FR" dirty="0"/>
-              <a:t>2 – Réflexion pédagogique sur la séquence</a:t>
+              <a:t>2 – Pertinence du support pédagogique</a:t>
             </a:r>
           </a:p>
           <a:p>
@@ -12377,7 +12361,7 @@
 </file>
 
 <file path=ppt/slides/slide26.xml><?xml version="1.0" encoding="utf-8"?>
-<p:sld xmlns:a="http://schemas.openxmlformats.org/drawingml/2006/main" xmlns:r="http://schemas.openxmlformats.org/officeDocument/2006/relationships" xmlns:p="http://schemas.openxmlformats.org/presentationml/2006/main">
+<p:sld xmlns:a="http://schemas.openxmlformats.org/drawingml/2006/main" xmlns:r="http://schemas.openxmlformats.org/officeDocument/2006/relationships" xmlns:p="http://schemas.openxmlformats.org/presentationml/2006/main" show="0">
   <p:cSld>
     <p:spTree>
       <p:nvGrpSpPr>
@@ -12746,7 +12730,7 @@
             </a:r>
             <a:r>
               <a:rPr lang="fr-FR" dirty="0" err="1"/>
-              <a:t>Kaout</a:t>
+              <a:t>Kahout</a:t>
             </a:r>
             <a:r>
               <a:rPr lang="fr-FR" dirty="0"/>
@@ -12807,7 +12791,7 @@
           <a:p>
             <a:r>
               <a:rPr lang="fr-FR" dirty="0"/>
-              <a:t>1 – Description du contexte pédagogique</a:t>
+              <a:t>1 – Réflexions pédagogiques sur la séquence</a:t>
             </a:r>
           </a:p>
         </p:txBody>
@@ -12838,14 +12822,14 @@
       </p:sp>
       <p:sp>
         <p:nvSpPr>
-          <p:cNvPr id="5" name="ZoneTexte 4"/>
+          <p:cNvPr id="4" name="ZoneTexte 3"/>
           <p:cNvSpPr txBox="1"/>
           <p:nvPr/>
         </p:nvSpPr>
         <p:spPr>
           <a:xfrm>
-            <a:off x="3202033" y="2613799"/>
-            <a:ext cx="5389617" cy="1200329"/>
+            <a:off x="2729161" y="2090679"/>
+            <a:ext cx="7890302" cy="2862322"/>
           </a:xfrm>
           <a:prstGeom prst="rect">
             <a:avLst/>
@@ -12860,30 +12844,69 @@
           <a:p>
             <a:r>
               <a:rPr lang="fr-FR" dirty="0"/>
-              <a:t>Photo du système</a:t>
-            </a:r>
-          </a:p>
-          <a:p>
-            <a:r>
-              <a:rPr lang="fr-FR" dirty="0"/>
-              <a:t>Principaux éléments du système</a:t>
-            </a:r>
-          </a:p>
-          <a:p>
-            <a:r>
-              <a:rPr lang="fr-FR" dirty="0"/>
-              <a:t>Principales expérimentations , thèmes abordés</a:t>
-            </a:r>
-          </a:p>
-          <a:p>
-            <a:endParaRPr lang="fr-FR" dirty="0"/>
+              <a:t>1.1 : Rappel - Eléments de contexte – Démarche de ma présentation</a:t>
+            </a:r>
+          </a:p>
+          <a:p>
+            <a:r>
+              <a:rPr lang="fr-FR" dirty="0"/>
+              <a:t>1.2 : Stratégie pédagogique</a:t>
+            </a:r>
+          </a:p>
+          <a:p>
+            <a:r>
+              <a:rPr lang="fr-FR" dirty="0"/>
+              <a:t>1.3 : Compétences et connaissances du programme à faire acquérir</a:t>
+            </a:r>
+          </a:p>
+          <a:p>
+            <a:r>
+              <a:rPr lang="fr-FR" dirty="0"/>
+              <a:t>1.4 : Pré requis nécessaires</a:t>
+            </a:r>
+          </a:p>
+          <a:p>
+            <a:r>
+              <a:rPr lang="fr-FR" dirty="0"/>
+              <a:t>1.5 : Planification dans l’année</a:t>
+            </a:r>
+          </a:p>
+          <a:p>
+            <a:r>
+              <a:rPr lang="fr-FR" dirty="0"/>
+              <a:t>1.6 : Synthèse - Structuration des connaissances</a:t>
+            </a:r>
+          </a:p>
+          <a:p>
+            <a:r>
+              <a:rPr lang="fr-FR" dirty="0"/>
+              <a:t>1.7 : Evaluation</a:t>
+            </a:r>
+          </a:p>
+          <a:p>
+            <a:r>
+              <a:rPr lang="fr-FR" dirty="0"/>
+              <a:t>1.8 : Remédiation</a:t>
+            </a:r>
+          </a:p>
+          <a:p>
+            <a:r>
+              <a:rPr lang="fr-FR" dirty="0"/>
+              <a:t>1.9 : Organisation de la séquence </a:t>
+            </a:r>
+          </a:p>
+          <a:p>
+            <a:r>
+              <a:rPr lang="fr-FR" dirty="0"/>
+              <a:t>1.10 : Définition des supports d’apprentissage </a:t>
+            </a:r>
           </a:p>
         </p:txBody>
       </p:sp>
     </p:spTree>
     <p:extLst>
       <p:ext uri="{BB962C8B-B14F-4D97-AF65-F5344CB8AC3E}">
-        <p14:creationId xmlns:p14="http://schemas.microsoft.com/office/powerpoint/2010/main" val="490044626"/>
+        <p14:creationId xmlns:p14="http://schemas.microsoft.com/office/powerpoint/2010/main" val="3921406089"/>
       </p:ext>
     </p:extLst>
   </p:cSld>
@@ -12920,15 +12943,33 @@
             <p:ph type="title"/>
           </p:nvPr>
         </p:nvSpPr>
-        <p:spPr/>
-        <p:txBody>
-          <a:bodyPr/>
-          <a:lstStyle/>
-          <a:p>
-            <a:r>
-              <a:rPr lang="fr-FR" dirty="0"/>
-              <a:t>2 – Réflexions pédagogiques sur la séquence</a:t>
-            </a:r>
+        <p:spPr>
+          <a:xfrm>
+            <a:off x="2592924" y="624110"/>
+            <a:ext cx="8911687" cy="668096"/>
+          </a:xfrm>
+        </p:spPr>
+        <p:txBody>
+          <a:bodyPr>
+            <a:normAutofit fontScale="90000"/>
+          </a:bodyPr>
+          <a:lstStyle/>
+          <a:p>
+            <a:r>
+              <a:rPr lang="fr-FR" dirty="0"/>
+              <a:t>1.1 – Rappels des éléments de contexte</a:t>
+            </a:r>
+            <a:br>
+              <a:rPr lang="fr-FR" dirty="0"/>
+            </a:br>
+            <a:r>
+              <a:rPr lang="fr-FR" dirty="0"/>
+              <a:t>		 Démarche de ma présentation</a:t>
+            </a:r>
+            <a:br>
+              <a:rPr lang="fr-FR" dirty="0"/>
+            </a:br>
+            <a:endParaRPr lang="fr-FR" dirty="0"/>
           </a:p>
         </p:txBody>
       </p:sp>
@@ -12958,14 +12999,14 @@
       </p:sp>
       <p:sp>
         <p:nvSpPr>
-          <p:cNvPr id="4" name="ZoneTexte 3"/>
+          <p:cNvPr id="5" name="ZoneTexte 4"/>
           <p:cNvSpPr txBox="1"/>
           <p:nvPr/>
         </p:nvSpPr>
         <p:spPr>
           <a:xfrm>
-            <a:off x="2729161" y="2090679"/>
-            <a:ext cx="7890302" cy="2862322"/>
+            <a:off x="1737950" y="1975309"/>
+            <a:ext cx="6096541" cy="2585323"/>
           </a:xfrm>
           <a:prstGeom prst="rect">
             <a:avLst/>
@@ -12980,69 +13021,127 @@
           <a:p>
             <a:r>
               <a:rPr lang="fr-FR" dirty="0"/>
-              <a:t>2.1 : Rappel - Eléments de contexte – Démarche de ma présentation</a:t>
-            </a:r>
-          </a:p>
-          <a:p>
-            <a:r>
-              <a:rPr lang="fr-FR" dirty="0"/>
-              <a:t>2.2 : Stratégie pédagogique</a:t>
-            </a:r>
-          </a:p>
-          <a:p>
-            <a:r>
-              <a:rPr lang="fr-FR" dirty="0"/>
-              <a:t>2.3 : Compétences et connaissances du programme à faire acquérir</a:t>
-            </a:r>
-          </a:p>
-          <a:p>
-            <a:r>
-              <a:rPr lang="fr-FR" dirty="0"/>
-              <a:t>2.4 : Pré requis nécessaires</a:t>
-            </a:r>
-          </a:p>
-          <a:p>
-            <a:r>
-              <a:rPr lang="fr-FR" dirty="0"/>
-              <a:t>2.5 : Planification dans l’année</a:t>
-            </a:r>
-          </a:p>
-          <a:p>
-            <a:r>
-              <a:rPr lang="fr-FR" dirty="0"/>
-              <a:t>2.6 : Synthèse - Structuration des connaissances</a:t>
-            </a:r>
-          </a:p>
-          <a:p>
-            <a:r>
-              <a:rPr lang="fr-FR" dirty="0"/>
-              <a:t>2.7 : Evaluation</a:t>
-            </a:r>
-          </a:p>
-          <a:p>
-            <a:r>
-              <a:rPr lang="fr-FR" dirty="0"/>
-              <a:t>2.8 : Remédiation</a:t>
-            </a:r>
-          </a:p>
-          <a:p>
-            <a:r>
-              <a:rPr lang="fr-FR" dirty="0"/>
-              <a:t>2.9 : Organisation de la séquence </a:t>
-            </a:r>
-          </a:p>
-          <a:p>
-            <a:r>
-              <a:rPr lang="fr-FR" dirty="0"/>
-              <a:t>2.10 : Définition des supports d’apprentissage </a:t>
-            </a:r>
+              <a:t>Titre de la séquence  :</a:t>
+            </a:r>
+          </a:p>
+          <a:p>
+            <a:r>
+              <a:rPr lang="fr-FR" dirty="0"/>
+              <a:t>Lien de la séquence avec la thématique proposée : </a:t>
+            </a:r>
+          </a:p>
+          <a:p>
+            <a:r>
+              <a:rPr lang="fr-FR" dirty="0"/>
+              <a:t>Classe :</a:t>
+            </a:r>
+          </a:p>
+          <a:p>
+            <a:r>
+              <a:rPr lang="fr-FR" dirty="0"/>
+              <a:t>Volume horaire – Classe entière / Groupe</a:t>
+            </a:r>
+          </a:p>
+          <a:p>
+            <a:r>
+              <a:rPr lang="fr-FR" dirty="0"/>
+              <a:t>Situer le séquence dans le référentiel :</a:t>
+            </a:r>
+          </a:p>
+          <a:p>
+            <a:r>
+              <a:rPr lang="fr-FR" dirty="0"/>
+              <a:t>Type de séquence : Complexe ou critique</a:t>
+            </a:r>
+          </a:p>
+          <a:p>
+            <a:endParaRPr lang="fr-FR" dirty="0"/>
+          </a:p>
+          <a:p>
+            <a:endParaRPr lang="fr-FR" dirty="0"/>
+          </a:p>
+          <a:p>
+            <a:r>
+              <a:rPr lang="fr-FR" dirty="0"/>
+              <a:t>+ planification ? </a:t>
+            </a:r>
+          </a:p>
+        </p:txBody>
+      </p:sp>
+      <p:sp>
+        <p:nvSpPr>
+          <p:cNvPr id="6" name="ZoneTexte 5"/>
+          <p:cNvSpPr txBox="1"/>
+          <p:nvPr/>
+        </p:nvSpPr>
+        <p:spPr>
+          <a:xfrm>
+            <a:off x="1737949" y="4476677"/>
+            <a:ext cx="8763962" cy="1477328"/>
+          </a:xfrm>
+          <a:prstGeom prst="rect">
+            <a:avLst/>
+          </a:prstGeom>
+          <a:noFill/>
+        </p:spPr>
+        <p:txBody>
+          <a:bodyPr wrap="square" rtlCol="0">
+            <a:spAutoFit/>
+          </a:bodyPr>
+          <a:lstStyle/>
+          <a:p>
+            <a:r>
+              <a:rPr lang="fr-FR" dirty="0"/>
+              <a:t>Identification des compétences (savoirs + savoir-faire)</a:t>
+            </a:r>
+          </a:p>
+          <a:p>
+            <a:r>
+              <a:rPr lang="fr-FR" dirty="0"/>
+              <a:t>Structuration des connaissances</a:t>
+            </a:r>
+          </a:p>
+          <a:p>
+            <a:r>
+              <a:rPr lang="fr-FR" dirty="0"/>
+              <a:t>Evaluations sommative</a:t>
+            </a:r>
+          </a:p>
+          <a:p>
+            <a:r>
+              <a:rPr lang="fr-FR" dirty="0"/>
+              <a:t>Identification d’un </a:t>
+            </a:r>
+            <a:r>
+              <a:rPr lang="fr-FR" dirty="0" err="1"/>
+              <a:t>pb</a:t>
+            </a:r>
+            <a:r>
+              <a:rPr lang="fr-FR" dirty="0"/>
+              <a:t> technologique </a:t>
+            </a:r>
+            <a:r>
+              <a:rPr lang="fr-FR" dirty="0">
+                <a:sym typeface="Wingdings" panose="05000000000000000000" pitchFamily="2" charset="2"/>
+              </a:rPr>
+              <a:t> situation déclenchante</a:t>
+            </a:r>
+          </a:p>
+          <a:p>
+            <a:r>
+              <a:rPr lang="fr-FR" dirty="0">
+                <a:sym typeface="Wingdings" panose="05000000000000000000" pitchFamily="2" charset="2"/>
+              </a:rPr>
+              <a:t>Activité d’apprentissage</a:t>
+            </a:r>
+            <a:endParaRPr lang="fr-FR" dirty="0"/>
           </a:p>
         </p:txBody>
       </p:sp>
     </p:spTree>
     <p:extLst>
       <p:ext uri="{BB962C8B-B14F-4D97-AF65-F5344CB8AC3E}">
-        <p14:creationId xmlns:p14="http://schemas.microsoft.com/office/powerpoint/2010/main" val="3921406089"/>
+        <p14:creationId xmlns:p14="http://schemas.microsoft.com/office/powerpoint/2010/main" val="4293633128"/>
       </p:ext>
     </p:extLst>
   </p:cSld>
@@ -13086,26 +13185,13 @@
           </a:xfrm>
         </p:spPr>
         <p:txBody>
-          <a:bodyPr>
-            <a:normAutofit fontScale="90000"/>
-          </a:bodyPr>
-          <a:lstStyle/>
-          <a:p>
-            <a:r>
-              <a:rPr lang="fr-FR" dirty="0"/>
-              <a:t>2.1 – Rappels des éléments de contexte</a:t>
-            </a:r>
-            <a:br>
-              <a:rPr lang="fr-FR" dirty="0"/>
-            </a:br>
-            <a:r>
-              <a:rPr lang="fr-FR" dirty="0"/>
-              <a:t>		 Démarche de ma présentation</a:t>
-            </a:r>
-            <a:br>
-              <a:rPr lang="fr-FR" dirty="0"/>
-            </a:br>
-            <a:endParaRPr lang="fr-FR" dirty="0"/>
+          <a:bodyPr/>
+          <a:lstStyle/>
+          <a:p>
+            <a:r>
+              <a:rPr lang="fr-FR" dirty="0"/>
+              <a:t>1.2 – Stratégie pédagogique</a:t>
+            </a:r>
           </a:p>
         </p:txBody>
       </p:sp>
@@ -13141,8 +13227,8 @@
         </p:nvSpPr>
         <p:spPr>
           <a:xfrm>
-            <a:off x="1737950" y="1975309"/>
-            <a:ext cx="6096541" cy="2585323"/>
+            <a:off x="2969408" y="1292206"/>
+            <a:ext cx="6419641" cy="1477328"/>
           </a:xfrm>
           <a:prstGeom prst="rect">
             <a:avLst/>
@@ -13150,70 +13236,66 @@
           <a:noFill/>
         </p:spPr>
         <p:txBody>
-          <a:bodyPr wrap="none" rtlCol="0">
+          <a:bodyPr wrap="square" rtlCol="0">
             <a:spAutoFit/>
           </a:bodyPr>
           <a:lstStyle/>
           <a:p>
             <a:r>
               <a:rPr lang="fr-FR" dirty="0"/>
-              <a:t>Titre de la séquence  :</a:t>
-            </a:r>
-          </a:p>
-          <a:p>
-            <a:r>
-              <a:rPr lang="fr-FR" dirty="0"/>
-              <a:t>Lien de la séquence avec la thématique proposée : </a:t>
-            </a:r>
-          </a:p>
-          <a:p>
-            <a:r>
-              <a:rPr lang="fr-FR" dirty="0"/>
-              <a:t>Classe :</a:t>
-            </a:r>
-          </a:p>
-          <a:p>
-            <a:r>
-              <a:rPr lang="fr-FR" dirty="0"/>
-              <a:t>Volume horaire – Classe entière / Groupe</a:t>
-            </a:r>
-          </a:p>
-          <a:p>
-            <a:r>
-              <a:rPr lang="fr-FR" dirty="0"/>
-              <a:t>Situer le séquence dans le référentiel :</a:t>
-            </a:r>
-          </a:p>
-          <a:p>
-            <a:r>
-              <a:rPr lang="fr-FR" dirty="0"/>
-              <a:t>Type de séquence : Complexe ou critique</a:t>
-            </a:r>
-          </a:p>
-          <a:p>
-            <a:endParaRPr lang="fr-FR" dirty="0"/>
-          </a:p>
-          <a:p>
-            <a:endParaRPr lang="fr-FR" dirty="0"/>
-          </a:p>
-          <a:p>
-            <a:r>
-              <a:rPr lang="fr-FR" dirty="0"/>
-              <a:t>+ planification ? </a:t>
-            </a:r>
-          </a:p>
-        </p:txBody>
-      </p:sp>
-      <p:sp>
-        <p:nvSpPr>
-          <p:cNvPr id="6" name="ZoneTexte 5"/>
+              <a:t>Une stratégie pédagogique est un ensemble de méthodes et de démarches, qui vont déterminer des choix de techniques, de matériels et de situations pédagogiques, par rapport à l'objet, au but de l'apprentissage.  Jean-Claude </a:t>
+            </a:r>
+            <a:r>
+              <a:rPr lang="fr-FR" dirty="0" err="1"/>
+              <a:t>Maurin</a:t>
+            </a:r>
+            <a:r>
+              <a:rPr lang="fr-FR" dirty="0"/>
+              <a:t>. 2000 </a:t>
+            </a:r>
+          </a:p>
+        </p:txBody>
+      </p:sp>
+      <p:pic>
+        <p:nvPicPr>
+          <p:cNvPr id="4" name="Image 3"/>
+          <p:cNvPicPr>
+            <a:picLocks noChangeAspect="1"/>
+          </p:cNvPicPr>
+          <p:nvPr/>
+        </p:nvPicPr>
+        <p:blipFill>
+          <a:blip r:embed="rId2"/>
+          <a:stretch>
+            <a:fillRect/>
+          </a:stretch>
+        </p:blipFill>
+        <p:spPr>
+          <a:xfrm>
+            <a:off x="3030845" y="2769534"/>
+            <a:ext cx="5264460" cy="4016714"/>
+          </a:xfrm>
+          <a:prstGeom prst="rect">
+            <a:avLst/>
+          </a:prstGeom>
+        </p:spPr>
+      </p:pic>
+      <p:sp>
+        <p:nvSpPr>
+          <p:cNvPr id="6" name="ZoneTexte 5">
+            <a:extLst>
+              <a:ext uri="{FF2B5EF4-FFF2-40B4-BE49-F238E27FC236}">
+                <a16:creationId xmlns:a16="http://schemas.microsoft.com/office/drawing/2014/main" id="{287CB70D-B349-0980-7EEB-BE2C0612F0B0}"/>
+              </a:ext>
+            </a:extLst>
+          </p:cNvPr>
           <p:cNvSpPr txBox="1"/>
           <p:nvPr/>
         </p:nvSpPr>
         <p:spPr>
           <a:xfrm>
-            <a:off x="1737949" y="4476677"/>
-            <a:ext cx="8763962" cy="1477328"/>
+            <a:off x="7923107" y="254778"/>
+            <a:ext cx="4268893" cy="369332"/>
           </a:xfrm>
           <a:prstGeom prst="rect">
             <a:avLst/>
@@ -13228,56 +13310,15 @@
           <a:p>
             <a:r>
               <a:rPr lang="fr-FR" dirty="0"/>
-              <a:t>Identification des compétences (savoirs + savoir-faire)</a:t>
-            </a:r>
-          </a:p>
-          <a:p>
-            <a:r>
-              <a:rPr lang="fr-FR" dirty="0"/>
-              <a:t>Structuration des connaissances</a:t>
-            </a:r>
-          </a:p>
-          <a:p>
-            <a:r>
-              <a:rPr lang="fr-FR" dirty="0"/>
-              <a:t>Evaluations sommative</a:t>
-            </a:r>
-          </a:p>
-          <a:p>
-            <a:r>
-              <a:rPr lang="fr-FR" dirty="0"/>
-              <a:t>Identification d’un </a:t>
-            </a:r>
-            <a:r>
-              <a:rPr lang="fr-FR" dirty="0" err="1"/>
-              <a:t>pb</a:t>
-            </a:r>
-            <a:r>
-              <a:rPr lang="fr-FR" dirty="0"/>
-              <a:t> technologique </a:t>
-            </a:r>
-            <a:r>
-              <a:rPr lang="fr-FR" dirty="0">
-                <a:sym typeface="Wingdings" panose="05000000000000000000" pitchFamily="2" charset="2"/>
-              </a:rPr>
-              <a:t> situation déclenchante</a:t>
-            </a:r>
-          </a:p>
-          <a:p>
-            <a:r>
-              <a:rPr lang="fr-FR" dirty="0">
-                <a:sym typeface="Wingdings" panose="05000000000000000000" pitchFamily="2" charset="2"/>
-              </a:rPr>
-              <a:t>Activité d’apprentissage</a:t>
-            </a:r>
-            <a:endParaRPr lang="fr-FR" dirty="0"/>
+              <a:t>Choix pédagogique et didactique</a:t>
+            </a:r>
           </a:p>
         </p:txBody>
       </p:sp>
     </p:spTree>
     <p:extLst>
       <p:ext uri="{BB962C8B-B14F-4D97-AF65-F5344CB8AC3E}">
-        <p14:creationId xmlns:p14="http://schemas.microsoft.com/office/powerpoint/2010/main" val="4293633128"/>
+        <p14:creationId xmlns:p14="http://schemas.microsoft.com/office/powerpoint/2010/main" val="3632400361"/>
       </p:ext>
     </p:extLst>
   </p:cSld>
@@ -13321,12 +13362,14 @@
           </a:xfrm>
         </p:spPr>
         <p:txBody>
-          <a:bodyPr/>
-          <a:lstStyle/>
-          <a:p>
-            <a:r>
-              <a:rPr lang="fr-FR" dirty="0"/>
-              <a:t>2.2 – Stratégie pédagogique</a:t>
+          <a:bodyPr>
+            <a:normAutofit fontScale="90000"/>
+          </a:bodyPr>
+          <a:lstStyle/>
+          <a:p>
+            <a:r>
+              <a:rPr lang="fr-FR" dirty="0"/>
+              <a:t>1.3 – Compétences et connaissances à faire acquérir</a:t>
             </a:r>
           </a:p>
         </p:txBody>
@@ -13363,8 +13406,8 @@
         </p:nvSpPr>
         <p:spPr>
           <a:xfrm>
-            <a:off x="2969408" y="1292206"/>
-            <a:ext cx="6419641" cy="1477328"/>
+            <a:off x="3006569" y="2384949"/>
+            <a:ext cx="4871847" cy="646331"/>
           </a:xfrm>
           <a:prstGeom prst="rect">
             <a:avLst/>
@@ -13372,81 +13415,20 @@
           <a:noFill/>
         </p:spPr>
         <p:txBody>
-          <a:bodyPr wrap="square" rtlCol="0">
+          <a:bodyPr wrap="none" rtlCol="0">
             <a:spAutoFit/>
           </a:bodyPr>
           <a:lstStyle/>
           <a:p>
             <a:r>
               <a:rPr lang="fr-FR" dirty="0"/>
-              <a:t>Une stratégie pédagogique est un ensemble de méthodes et de démarches, qui vont déterminer des choix de techniques, de matériels et de situations pédagogiques, par rapport à l'objet, au but de l'apprentissage.  Jean-Claude </a:t>
-            </a:r>
-            <a:r>
-              <a:rPr lang="fr-FR" dirty="0" err="1"/>
-              <a:t>Maurin</a:t>
-            </a:r>
-            <a:r>
-              <a:rPr lang="fr-FR" dirty="0"/>
-              <a:t>. 2000 </a:t>
-            </a:r>
-          </a:p>
-        </p:txBody>
-      </p:sp>
-      <p:pic>
-        <p:nvPicPr>
-          <p:cNvPr id="4" name="Image 3"/>
-          <p:cNvPicPr>
-            <a:picLocks noChangeAspect="1"/>
-          </p:cNvPicPr>
-          <p:nvPr/>
-        </p:nvPicPr>
-        <p:blipFill>
-          <a:blip r:embed="rId2"/>
-          <a:stretch>
-            <a:fillRect/>
-          </a:stretch>
-        </p:blipFill>
-        <p:spPr>
-          <a:xfrm>
-            <a:off x="3030845" y="2769534"/>
-            <a:ext cx="5264460" cy="4016714"/>
-          </a:xfrm>
-          <a:prstGeom prst="rect">
-            <a:avLst/>
-          </a:prstGeom>
-        </p:spPr>
-      </p:pic>
-      <p:sp>
-        <p:nvSpPr>
-          <p:cNvPr id="6" name="ZoneTexte 5">
-            <a:extLst>
-              <a:ext uri="{FF2B5EF4-FFF2-40B4-BE49-F238E27FC236}">
-                <a16:creationId xmlns:a16="http://schemas.microsoft.com/office/drawing/2014/main" id="{287CB70D-B349-0980-7EEB-BE2C0612F0B0}"/>
-              </a:ext>
-            </a:extLst>
-          </p:cNvPr>
-          <p:cNvSpPr txBox="1"/>
-          <p:nvPr/>
-        </p:nvSpPr>
-        <p:spPr>
-          <a:xfrm>
-            <a:off x="7923107" y="254778"/>
-            <a:ext cx="4268893" cy="369332"/>
-          </a:xfrm>
-          <a:prstGeom prst="rect">
-            <a:avLst/>
-          </a:prstGeom>
-          <a:noFill/>
-        </p:spPr>
-        <p:txBody>
-          <a:bodyPr wrap="square" rtlCol="0">
-            <a:spAutoFit/>
-          </a:bodyPr>
-          <a:lstStyle/>
-          <a:p>
-            <a:r>
-              <a:rPr lang="fr-FR" dirty="0"/>
-              <a:t>Choix pédagogique et didactique</a:t>
+              <a:t>Compétences (principales et secondaire)</a:t>
+            </a:r>
+          </a:p>
+          <a:p>
+            <a:r>
+              <a:rPr lang="fr-FR" dirty="0"/>
+              <a:t>Taxonomie éventuellement</a:t>
             </a:r>
           </a:p>
         </p:txBody>
@@ -13454,7 +13436,7 @@
     </p:spTree>
     <p:extLst>
       <p:ext uri="{BB962C8B-B14F-4D97-AF65-F5344CB8AC3E}">
-        <p14:creationId xmlns:p14="http://schemas.microsoft.com/office/powerpoint/2010/main" val="3632400361"/>
+        <p14:creationId xmlns:p14="http://schemas.microsoft.com/office/powerpoint/2010/main" val="2154090430"/>
       </p:ext>
     </p:extLst>
   </p:cSld>
@@ -13498,14 +13480,12 @@
           </a:xfrm>
         </p:spPr>
         <p:txBody>
-          <a:bodyPr>
-            <a:normAutofit fontScale="90000"/>
-          </a:bodyPr>
-          <a:lstStyle/>
-          <a:p>
-            <a:r>
-              <a:rPr lang="fr-FR" dirty="0"/>
-              <a:t>2.3 – Compétences et connaissances à faire acquérir</a:t>
+          <a:bodyPr/>
+          <a:lstStyle/>
+          <a:p>
+            <a:r>
+              <a:rPr lang="fr-FR" dirty="0"/>
+              <a:t>1.4 – Pré requis nécessaires</a:t>
             </a:r>
           </a:p>
         </p:txBody>
@@ -13542,8 +13522,8 @@
         </p:nvSpPr>
         <p:spPr>
           <a:xfrm>
-            <a:off x="3006569" y="2384949"/>
-            <a:ext cx="4871847" cy="646331"/>
+            <a:off x="3088153" y="1960211"/>
+            <a:ext cx="8315097" cy="923330"/>
           </a:xfrm>
           <a:prstGeom prst="rect">
             <a:avLst/>
@@ -13558,13 +13538,45 @@
           <a:p>
             <a:r>
               <a:rPr lang="fr-FR" dirty="0"/>
-              <a:t>Compétences (principales et secondaire)</a:t>
-            </a:r>
-          </a:p>
-          <a:p>
-            <a:r>
-              <a:rPr lang="fr-FR" dirty="0"/>
-              <a:t>Taxonomie éventuellement</a:t>
+              <a:t>De la discipline </a:t>
+            </a:r>
+          </a:p>
+          <a:p>
+            <a:r>
+              <a:rPr lang="fr-FR" dirty="0"/>
+              <a:t>D’autres disciplines (Maths, </a:t>
+            </a:r>
+            <a:r>
+              <a:rPr lang="fr-FR" dirty="0" err="1"/>
+              <a:t>Sc</a:t>
+            </a:r>
+            <a:r>
+              <a:rPr lang="fr-FR" dirty="0"/>
+              <a:t> </a:t>
+            </a:r>
+            <a:r>
+              <a:rPr lang="fr-FR" dirty="0" err="1"/>
+              <a:t>Phy</a:t>
+            </a:r>
+            <a:r>
+              <a:rPr lang="fr-FR" dirty="0"/>
+              <a:t>) [interdisciplinarité] </a:t>
+            </a:r>
+          </a:p>
+          <a:p>
+            <a:r>
+              <a:rPr lang="fr-FR" dirty="0"/>
+              <a:t>	</a:t>
+            </a:r>
+            <a:r>
+              <a:rPr lang="fr-FR" dirty="0">
+                <a:sym typeface="Wingdings" pitchFamily="2" charset="2"/>
+              </a:rPr>
+              <a:t> </a:t>
+            </a:r>
+            <a:r>
+              <a:rPr lang="fr-FR" dirty="0"/>
+              <a:t>attention à la planification de ces séquences  / celle développée</a:t>
             </a:r>
           </a:p>
         </p:txBody>
@@ -13572,7 +13584,7 @@
     </p:spTree>
     <p:extLst>
       <p:ext uri="{BB962C8B-B14F-4D97-AF65-F5344CB8AC3E}">
-        <p14:creationId xmlns:p14="http://schemas.microsoft.com/office/powerpoint/2010/main" val="2154090430"/>
+        <p14:creationId xmlns:p14="http://schemas.microsoft.com/office/powerpoint/2010/main" val="3797509933"/>
       </p:ext>
     </p:extLst>
   </p:cSld>
@@ -13621,7 +13633,7 @@
           <a:p>
             <a:r>
               <a:rPr lang="fr-FR" dirty="0"/>
-              <a:t>2.4 – Pré requis nécessaires</a:t>
+              <a:t>1.5 – Planification dans l’année</a:t>
             </a:r>
           </a:p>
         </p:txBody>
@@ -13658,8 +13670,8 @@
         </p:nvSpPr>
         <p:spPr>
           <a:xfrm>
-            <a:off x="3088153" y="1960211"/>
-            <a:ext cx="8315097" cy="923330"/>
+            <a:off x="2640808" y="2046404"/>
+            <a:ext cx="7234712" cy="1200329"/>
           </a:xfrm>
           <a:prstGeom prst="rect">
             <a:avLst/>
@@ -13667,60 +13679,39 @@
           <a:noFill/>
         </p:spPr>
         <p:txBody>
-          <a:bodyPr wrap="none" rtlCol="0">
+          <a:bodyPr wrap="square" rtlCol="0">
             <a:spAutoFit/>
           </a:bodyPr>
           <a:lstStyle/>
           <a:p>
             <a:r>
               <a:rPr lang="fr-FR" dirty="0"/>
-              <a:t>De la discipline </a:t>
-            </a:r>
-          </a:p>
-          <a:p>
-            <a:r>
-              <a:rPr lang="fr-FR" dirty="0"/>
-              <a:t>D’autres disciplines (Maths, </a:t>
+              <a:t>Dans la progression (attention en </a:t>
             </a:r>
             <a:r>
               <a:rPr lang="fr-FR" dirty="0" err="1"/>
-              <a:t>Sc</a:t>
-            </a:r>
-            <a:r>
-              <a:rPr lang="fr-FR" dirty="0"/>
-              <a:t> </a:t>
-            </a:r>
-            <a:r>
-              <a:rPr lang="fr-FR" dirty="0" err="1"/>
-              <a:t>Phy</a:t>
-            </a:r>
-            <a:r>
-              <a:rPr lang="fr-FR" dirty="0"/>
-              <a:t>) [interdisciplinarité] </a:t>
-            </a:r>
-          </a:p>
-          <a:p>
-            <a:r>
-              <a:rPr lang="fr-FR" dirty="0"/>
-              <a:t>	</a:t>
-            </a:r>
-            <a:r>
-              <a:rPr lang="fr-FR" dirty="0">
-                <a:sym typeface="Wingdings" pitchFamily="2" charset="2"/>
-              </a:rPr>
-              <a:t> </a:t>
-            </a:r>
-            <a:r>
-              <a:rPr lang="fr-FR" dirty="0"/>
-              <a:t>attention à la planification de ces séquences  / celle développée</a:t>
-            </a:r>
+              <a:t>Tle</a:t>
+            </a:r>
+            <a:r>
+              <a:rPr lang="fr-FR" dirty="0"/>
+              <a:t> – épreuves en Mars)</a:t>
+            </a:r>
+          </a:p>
+          <a:p>
+            <a:r>
+              <a:rPr lang="fr-FR" dirty="0"/>
+              <a:t>Durée : 3 à 4 semaines généralement (ne pas les entrecouper de vacances)</a:t>
+            </a:r>
+          </a:p>
+          <a:p>
+            <a:endParaRPr lang="fr-FR" dirty="0"/>
           </a:p>
         </p:txBody>
       </p:sp>
     </p:spTree>
     <p:extLst>
       <p:ext uri="{BB962C8B-B14F-4D97-AF65-F5344CB8AC3E}">
-        <p14:creationId xmlns:p14="http://schemas.microsoft.com/office/powerpoint/2010/main" val="3797509933"/>
+        <p14:creationId xmlns:p14="http://schemas.microsoft.com/office/powerpoint/2010/main" val="3609954820"/>
       </p:ext>
     </p:extLst>
   </p:cSld>
@@ -13759,17 +13750,19 @@
         </p:nvSpPr>
         <p:spPr>
           <a:xfrm>
-            <a:off x="2592924" y="624110"/>
-            <a:ext cx="8911687" cy="668096"/>
-          </a:xfrm>
-        </p:spPr>
-        <p:txBody>
-          <a:bodyPr/>
-          <a:lstStyle/>
-          <a:p>
-            <a:r>
-              <a:rPr lang="fr-FR" dirty="0"/>
-              <a:t>2.5 – Planification dans l’année</a:t>
+            <a:off x="1992032" y="637173"/>
+            <a:ext cx="10199967" cy="668096"/>
+          </a:xfrm>
+        </p:spPr>
+        <p:txBody>
+          <a:bodyPr>
+            <a:normAutofit fontScale="90000"/>
+          </a:bodyPr>
+          <a:lstStyle/>
+          <a:p>
+            <a:r>
+              <a:rPr lang="fr-FR" dirty="0"/>
+              <a:t>1.6 – Synthèse – structuration des connaissances</a:t>
             </a:r>
           </a:p>
         </p:txBody>
@@ -13806,8 +13799,8 @@
         </p:nvSpPr>
         <p:spPr>
           <a:xfrm>
-            <a:off x="2640808" y="2046404"/>
-            <a:ext cx="7234712" cy="1200329"/>
+            <a:off x="3019630" y="2045315"/>
+            <a:ext cx="8172187" cy="2308324"/>
           </a:xfrm>
           <a:prstGeom prst="rect">
             <a:avLst/>
@@ -13822,32 +13815,54 @@
           <a:p>
             <a:r>
               <a:rPr lang="fr-FR" dirty="0"/>
-              <a:t>Dans la progression (attention en </a:t>
-            </a:r>
-            <a:r>
-              <a:rPr lang="fr-FR" dirty="0" err="1"/>
-              <a:t>Tle</a:t>
-            </a:r>
-            <a:r>
-              <a:rPr lang="fr-FR" dirty="0"/>
-              <a:t> – épreuves en Mars)</a:t>
-            </a:r>
-          </a:p>
-          <a:p>
-            <a:r>
-              <a:rPr lang="fr-FR" dirty="0"/>
-              <a:t>Durée : 3 à 4 semaines généralement (ne pas les entrecouper de vacances)</a:t>
+              <a:t>Fiche de synthèse : rappeler les points abordés</a:t>
+            </a:r>
+          </a:p>
+          <a:p>
+            <a:r>
+              <a:rPr lang="fr-FR" dirty="0"/>
+              <a:t>Intervention élèves pour un CR oral </a:t>
+            </a:r>
+          </a:p>
+          <a:p>
+            <a:r>
+              <a:rPr lang="fr-FR" dirty="0"/>
+              <a:t>Synthèse par l’enseignant  / distribution de la fiche</a:t>
             </a:r>
           </a:p>
           <a:p>
             <a:endParaRPr lang="fr-FR" dirty="0"/>
+          </a:p>
+          <a:p>
+            <a:r>
+              <a:rPr lang="fr-FR" dirty="0"/>
+              <a:t>Ce qu’il faut savoir</a:t>
+            </a:r>
+          </a:p>
+          <a:p>
+            <a:r>
+              <a:rPr lang="fr-FR" dirty="0"/>
+              <a:t>Ce qu’il faut savoir faire</a:t>
+            </a:r>
+          </a:p>
+          <a:p>
+            <a:r>
+              <a:rPr lang="fr-FR" dirty="0"/>
+              <a:t>Exemple méthodologique</a:t>
+            </a:r>
+          </a:p>
+          <a:p>
+            <a:r>
+              <a:rPr lang="fr-FR" dirty="0"/>
+              <a:t>Un contexte d’application , décontextualisé de la séquence</a:t>
+            </a:r>
           </a:p>
         </p:txBody>
       </p:sp>
     </p:spTree>
     <p:extLst>
       <p:ext uri="{BB962C8B-B14F-4D97-AF65-F5344CB8AC3E}">
-        <p14:creationId xmlns:p14="http://schemas.microsoft.com/office/powerpoint/2010/main" val="3609954820"/>
+        <p14:creationId xmlns:p14="http://schemas.microsoft.com/office/powerpoint/2010/main" val="3628095907"/>
       </p:ext>
     </p:extLst>
   </p:cSld>
